--- a/Ilsa-Presentation1.pptx
+++ b/Ilsa-Presentation1.pptx
@@ -12,6 +12,11 @@
     <p:sldId id="260" r:id="rId6"/>
     <p:sldId id="261" r:id="rId7"/>
     <p:sldId id="262" r:id="rId8"/>
+    <p:sldId id="263" r:id="rId9"/>
+    <p:sldId id="266" r:id="rId10"/>
+    <p:sldId id="264" r:id="rId11"/>
+    <p:sldId id="265" r:id="rId12"/>
+    <p:sldId id="267" r:id="rId13"/>
   </p:sldIdLst>
   <p:sldSz cx="12192000" cy="6858000"/>
   <p:notesSz cx="6858000" cy="9144000"/>
@@ -110,6 +115,11 @@
       </a:defRPr>
     </a:lvl9pPr>
   </p:defaultTextStyle>
+  <p:extLst>
+    <p:ext uri="{EFAFB233-063F-42B5-8137-9DF3F51BA10A}">
+      <p15:sldGuideLst xmlns:p15="http://schemas.microsoft.com/office/powerpoint/2012/main"/>
+    </p:ext>
+  </p:extLst>
 </p:presentation>
 </file>
 
@@ -163,7 +173,7 @@
           <a:noFill/>
           <a:extLst>
             <a:ext uri="{909E8E84-426E-40dd-AFC4-6F175D3DCCD1}">
-              <a14:hiddenFill xmlns:a14="http://schemas.microsoft.com/office/drawing/2010/main" xmlns="">
+              <a14:hiddenFill xmlns="" xmlns:a14="http://schemas.microsoft.com/office/drawing/2010/main">
                 <a:solidFill>
                   <a:srgbClr val="FFFFFF"/>
                 </a:solidFill>
@@ -223,7 +233,7 @@
             </a:ln>
             <a:extLst>
               <a:ext uri="{91240B29-F687-4f45-9708-019B960494DF}">
-                <a14:hiddenLine xmlns:a14="http://schemas.microsoft.com/office/drawing/2010/main" xmlns="" w="9525">
+                <a14:hiddenLine xmlns="" xmlns:a14="http://schemas.microsoft.com/office/drawing/2010/main" w="9525">
                   <a:solidFill>
                     <a:srgbClr val="000000"/>
                   </a:solidFill>
@@ -313,7 +323,7 @@
             </a:ln>
             <a:extLst>
               <a:ext uri="{91240B29-F687-4f45-9708-019B960494DF}">
-                <a14:hiddenLine xmlns:a14="http://schemas.microsoft.com/office/drawing/2010/main" xmlns="" w="9525">
+                <a14:hiddenLine xmlns="" xmlns:a14="http://schemas.microsoft.com/office/drawing/2010/main" w="9525">
                   <a:solidFill>
                     <a:srgbClr val="000000"/>
                   </a:solidFill>
@@ -403,7 +413,7 @@
             </a:ln>
             <a:extLst>
               <a:ext uri="{91240B29-F687-4f45-9708-019B960494DF}">
-                <a14:hiddenLine xmlns:a14="http://schemas.microsoft.com/office/drawing/2010/main" xmlns="" w="9525">
+                <a14:hiddenLine xmlns="" xmlns:a14="http://schemas.microsoft.com/office/drawing/2010/main" w="9525">
                   <a:solidFill>
                     <a:srgbClr val="000000"/>
                   </a:solidFill>
@@ -437,7 +447,7 @@
             </a:ln>
             <a:extLst>
               <a:ext uri="{91240B29-F687-4f45-9708-019B960494DF}">
-                <a14:hiddenLine xmlns:a14="http://schemas.microsoft.com/office/drawing/2010/main" xmlns="" w="9525">
+                <a14:hiddenLine xmlns="" xmlns:a14="http://schemas.microsoft.com/office/drawing/2010/main" w="9525">
                   <a:solidFill>
                     <a:srgbClr val="000000"/>
                   </a:solidFill>
@@ -527,7 +537,7 @@
             </a:ln>
             <a:extLst>
               <a:ext uri="{91240B29-F687-4f45-9708-019B960494DF}">
-                <a14:hiddenLine xmlns:a14="http://schemas.microsoft.com/office/drawing/2010/main" xmlns="" w="9525">
+                <a14:hiddenLine xmlns="" xmlns:a14="http://schemas.microsoft.com/office/drawing/2010/main" w="9525">
                   <a:solidFill>
                     <a:srgbClr val="000000"/>
                   </a:solidFill>
@@ -589,7 +599,7 @@
             </a:ln>
             <a:extLst>
               <a:ext uri="{91240B29-F687-4f45-9708-019B960494DF}">
-                <a14:hiddenLine xmlns:a14="http://schemas.microsoft.com/office/drawing/2010/main" xmlns="" w="9525">
+                <a14:hiddenLine xmlns="" xmlns:a14="http://schemas.microsoft.com/office/drawing/2010/main" w="9525">
                   <a:solidFill>
                     <a:srgbClr val="000000"/>
                   </a:solidFill>
@@ -651,7 +661,7 @@
             </a:ln>
             <a:extLst>
               <a:ext uri="{91240B29-F687-4f45-9708-019B960494DF}">
-                <a14:hiddenLine xmlns:a14="http://schemas.microsoft.com/office/drawing/2010/main" xmlns="" w="9525">
+                <a14:hiddenLine xmlns="" xmlns:a14="http://schemas.microsoft.com/office/drawing/2010/main" w="9525">
                   <a:solidFill>
                     <a:srgbClr val="000000"/>
                   </a:solidFill>
@@ -741,7 +751,7 @@
             </a:ln>
             <a:extLst>
               <a:ext uri="{91240B29-F687-4f45-9708-019B960494DF}">
-                <a14:hiddenLine xmlns:a14="http://schemas.microsoft.com/office/drawing/2010/main" xmlns="" w="9525">
+                <a14:hiddenLine xmlns="" xmlns:a14="http://schemas.microsoft.com/office/drawing/2010/main" w="9525">
                   <a:solidFill>
                     <a:srgbClr val="000000"/>
                   </a:solidFill>
@@ -803,7 +813,7 @@
             </a:ln>
             <a:extLst>
               <a:ext uri="{91240B29-F687-4f45-9708-019B960494DF}">
-                <a14:hiddenLine xmlns:a14="http://schemas.microsoft.com/office/drawing/2010/main" xmlns="" w="9525">
+                <a14:hiddenLine xmlns="" xmlns:a14="http://schemas.microsoft.com/office/drawing/2010/main" w="9525">
                   <a:solidFill>
                     <a:srgbClr val="000000"/>
                   </a:solidFill>
@@ -865,7 +875,7 @@
             </a:ln>
             <a:extLst>
               <a:ext uri="{91240B29-F687-4f45-9708-019B960494DF}">
-                <a14:hiddenLine xmlns:a14="http://schemas.microsoft.com/office/drawing/2010/main" xmlns="" w="9525">
+                <a14:hiddenLine xmlns="" xmlns:a14="http://schemas.microsoft.com/office/drawing/2010/main" w="9525">
                   <a:solidFill>
                     <a:srgbClr val="000000"/>
                   </a:solidFill>
@@ -955,7 +965,7 @@
             </a:ln>
             <a:extLst>
               <a:ext uri="{91240B29-F687-4f45-9708-019B960494DF}">
-                <a14:hiddenLine xmlns:a14="http://schemas.microsoft.com/office/drawing/2010/main" xmlns="" w="9525">
+                <a14:hiddenLine xmlns="" xmlns:a14="http://schemas.microsoft.com/office/drawing/2010/main" w="9525">
                   <a:solidFill>
                     <a:srgbClr val="000000"/>
                   </a:solidFill>
@@ -1045,7 +1055,7 @@
             </a:ln>
             <a:extLst>
               <a:ext uri="{91240B29-F687-4f45-9708-019B960494DF}">
-                <a14:hiddenLine xmlns:a14="http://schemas.microsoft.com/office/drawing/2010/main" xmlns="" w="9525">
+                <a14:hiddenLine xmlns="" xmlns:a14="http://schemas.microsoft.com/office/drawing/2010/main" w="9525">
                   <a:solidFill>
                     <a:srgbClr val="000000"/>
                   </a:solidFill>
@@ -1107,7 +1117,7 @@
             </a:ln>
             <a:extLst>
               <a:ext uri="{91240B29-F687-4f45-9708-019B960494DF}">
-                <a14:hiddenLine xmlns:a14="http://schemas.microsoft.com/office/drawing/2010/main" xmlns="" w="9525">
+                <a14:hiddenLine xmlns="" xmlns:a14="http://schemas.microsoft.com/office/drawing/2010/main" w="9525">
                   <a:solidFill>
                     <a:srgbClr val="000000"/>
                   </a:solidFill>
@@ -1217,7 +1227,7 @@
             </a:ln>
             <a:extLst>
               <a:ext uri="{91240B29-F687-4f45-9708-019B960494DF}">
-                <a14:hiddenLine xmlns:a14="http://schemas.microsoft.com/office/drawing/2010/main" xmlns="" w="9525">
+                <a14:hiddenLine xmlns="" xmlns:a14="http://schemas.microsoft.com/office/drawing/2010/main" w="9525">
                   <a:solidFill>
                     <a:srgbClr val="000000"/>
                   </a:solidFill>
@@ -1279,7 +1289,7 @@
             </a:ln>
             <a:extLst>
               <a:ext uri="{91240B29-F687-4f45-9708-019B960494DF}">
-                <a14:hiddenLine xmlns:a14="http://schemas.microsoft.com/office/drawing/2010/main" xmlns="" w="9525">
+                <a14:hiddenLine xmlns="" xmlns:a14="http://schemas.microsoft.com/office/drawing/2010/main" w="9525">
                   <a:solidFill>
                     <a:srgbClr val="000000"/>
                   </a:solidFill>
@@ -1369,7 +1379,7 @@
             </a:ln>
             <a:extLst>
               <a:ext uri="{91240B29-F687-4f45-9708-019B960494DF}">
-                <a14:hiddenLine xmlns:a14="http://schemas.microsoft.com/office/drawing/2010/main" xmlns="" w="9525">
+                <a14:hiddenLine xmlns="" xmlns:a14="http://schemas.microsoft.com/office/drawing/2010/main" w="9525">
                   <a:solidFill>
                     <a:srgbClr val="000000"/>
                   </a:solidFill>
@@ -1459,7 +1469,7 @@
             </a:ln>
             <a:extLst>
               <a:ext uri="{91240B29-F687-4f45-9708-019B960494DF}">
-                <a14:hiddenLine xmlns:a14="http://schemas.microsoft.com/office/drawing/2010/main" xmlns="" w="9525">
+                <a14:hiddenLine xmlns="" xmlns:a14="http://schemas.microsoft.com/office/drawing/2010/main" w="9525">
                   <a:solidFill>
                     <a:srgbClr val="000000"/>
                   </a:solidFill>
@@ -1521,7 +1531,7 @@
             </a:ln>
             <a:extLst>
               <a:ext uri="{91240B29-F687-4f45-9708-019B960494DF}">
-                <a14:hiddenLine xmlns:a14="http://schemas.microsoft.com/office/drawing/2010/main" xmlns="" w="9525">
+                <a14:hiddenLine xmlns="" xmlns:a14="http://schemas.microsoft.com/office/drawing/2010/main" w="9525">
                   <a:solidFill>
                     <a:srgbClr val="000000"/>
                   </a:solidFill>
@@ -1611,7 +1621,7 @@
             </a:ln>
             <a:extLst>
               <a:ext uri="{91240B29-F687-4f45-9708-019B960494DF}">
-                <a14:hiddenLine xmlns:a14="http://schemas.microsoft.com/office/drawing/2010/main" xmlns="" w="9525">
+                <a14:hiddenLine xmlns="" xmlns:a14="http://schemas.microsoft.com/office/drawing/2010/main" w="9525">
                   <a:solidFill>
                     <a:srgbClr val="000000"/>
                   </a:solidFill>
@@ -1701,7 +1711,7 @@
             </a:ln>
             <a:extLst>
               <a:ext uri="{91240B29-F687-4f45-9708-019B960494DF}">
-                <a14:hiddenLine xmlns:a14="http://schemas.microsoft.com/office/drawing/2010/main" xmlns="" w="9525">
+                <a14:hiddenLine xmlns="" xmlns:a14="http://schemas.microsoft.com/office/drawing/2010/main" w="9525">
                   <a:solidFill>
                     <a:srgbClr val="000000"/>
                   </a:solidFill>
@@ -1757,7 +1767,7 @@
             </a:ln>
             <a:extLst>
               <a:ext uri="{91240B29-F687-4f45-9708-019B960494DF}">
-                <a14:hiddenLine xmlns:a14="http://schemas.microsoft.com/office/drawing/2010/main" xmlns="" w="9525">
+                <a14:hiddenLine xmlns="" xmlns:a14="http://schemas.microsoft.com/office/drawing/2010/main" w="9525">
                   <a:solidFill>
                     <a:srgbClr val="000000"/>
                   </a:solidFill>
@@ -1847,7 +1857,7 @@
             </a:ln>
             <a:extLst>
               <a:ext uri="{91240B29-F687-4f45-9708-019B960494DF}">
-                <a14:hiddenLine xmlns:a14="http://schemas.microsoft.com/office/drawing/2010/main" xmlns="" w="9525">
+                <a14:hiddenLine xmlns="" xmlns:a14="http://schemas.microsoft.com/office/drawing/2010/main" w="9525">
                   <a:solidFill>
                     <a:srgbClr val="000000"/>
                   </a:solidFill>
@@ -1903,7 +1913,7 @@
             </a:ln>
             <a:extLst>
               <a:ext uri="{91240B29-F687-4f45-9708-019B960494DF}">
-                <a14:hiddenLine xmlns:a14="http://schemas.microsoft.com/office/drawing/2010/main" xmlns="" w="9525">
+                <a14:hiddenLine xmlns="" xmlns:a14="http://schemas.microsoft.com/office/drawing/2010/main" w="9525">
                   <a:solidFill>
                     <a:srgbClr val="000000"/>
                   </a:solidFill>
@@ -1993,7 +2003,7 @@
             </a:ln>
             <a:extLst>
               <a:ext uri="{91240B29-F687-4f45-9708-019B960494DF}">
-                <a14:hiddenLine xmlns:a14="http://schemas.microsoft.com/office/drawing/2010/main" xmlns="" w="9525">
+                <a14:hiddenLine xmlns="" xmlns:a14="http://schemas.microsoft.com/office/drawing/2010/main" w="9525">
                   <a:solidFill>
                     <a:srgbClr val="000000"/>
                   </a:solidFill>
@@ -2061,7 +2071,7 @@
             </a:ln>
             <a:extLst>
               <a:ext uri="{91240B29-F687-4f45-9708-019B960494DF}">
-                <a14:hiddenLine xmlns:a14="http://schemas.microsoft.com/office/drawing/2010/main" xmlns="" w="9525">
+                <a14:hiddenLine xmlns="" xmlns:a14="http://schemas.microsoft.com/office/drawing/2010/main" w="9525">
                   <a:solidFill>
                     <a:srgbClr val="000000"/>
                   </a:solidFill>
@@ -2151,7 +2161,7 @@
             </a:ln>
             <a:extLst>
               <a:ext uri="{91240B29-F687-4f45-9708-019B960494DF}">
-                <a14:hiddenLine xmlns:a14="http://schemas.microsoft.com/office/drawing/2010/main" xmlns="" w="9525">
+                <a14:hiddenLine xmlns="" xmlns:a14="http://schemas.microsoft.com/office/drawing/2010/main" w="9525">
                   <a:solidFill>
                     <a:srgbClr val="000000"/>
                   </a:solidFill>
@@ -2219,7 +2229,7 @@
             </a:ln>
             <a:extLst>
               <a:ext uri="{91240B29-F687-4f45-9708-019B960494DF}">
-                <a14:hiddenLine xmlns:a14="http://schemas.microsoft.com/office/drawing/2010/main" xmlns="" w="9525">
+                <a14:hiddenLine xmlns="" xmlns:a14="http://schemas.microsoft.com/office/drawing/2010/main" w="9525">
                   <a:solidFill>
                     <a:srgbClr val="000000"/>
                   </a:solidFill>
@@ -2309,7 +2319,7 @@
             </a:ln>
             <a:extLst>
               <a:ext uri="{91240B29-F687-4f45-9708-019B960494DF}">
-                <a14:hiddenLine xmlns:a14="http://schemas.microsoft.com/office/drawing/2010/main" xmlns="" w="9525">
+                <a14:hiddenLine xmlns="" xmlns:a14="http://schemas.microsoft.com/office/drawing/2010/main" w="9525">
                   <a:solidFill>
                     <a:srgbClr val="000000"/>
                   </a:solidFill>
@@ -2343,7 +2353,7 @@
             </a:ln>
             <a:extLst>
               <a:ext uri="{91240B29-F687-4f45-9708-019B960494DF}">
-                <a14:hiddenLine xmlns:a14="http://schemas.microsoft.com/office/drawing/2010/main" xmlns="" w="9525">
+                <a14:hiddenLine xmlns="" xmlns:a14="http://schemas.microsoft.com/office/drawing/2010/main" w="9525">
                   <a:solidFill>
                     <a:srgbClr val="000000"/>
                   </a:solidFill>
@@ -2433,7 +2443,7 @@
             </a:ln>
             <a:extLst>
               <a:ext uri="{91240B29-F687-4f45-9708-019B960494DF}">
-                <a14:hiddenLine xmlns:a14="http://schemas.microsoft.com/office/drawing/2010/main" xmlns="" w="9525">
+                <a14:hiddenLine xmlns="" xmlns:a14="http://schemas.microsoft.com/office/drawing/2010/main" w="9525">
                   <a:solidFill>
                     <a:srgbClr val="000000"/>
                   </a:solidFill>
@@ -2495,7 +2505,7 @@
             </a:ln>
             <a:extLst>
               <a:ext uri="{91240B29-F687-4f45-9708-019B960494DF}">
-                <a14:hiddenLine xmlns:a14="http://schemas.microsoft.com/office/drawing/2010/main" xmlns="" w="9525">
+                <a14:hiddenLine xmlns="" xmlns:a14="http://schemas.microsoft.com/office/drawing/2010/main" w="9525">
                   <a:solidFill>
                     <a:srgbClr val="000000"/>
                   </a:solidFill>
@@ -2557,7 +2567,7 @@
             </a:ln>
             <a:extLst>
               <a:ext uri="{91240B29-F687-4f45-9708-019B960494DF}">
-                <a14:hiddenLine xmlns:a14="http://schemas.microsoft.com/office/drawing/2010/main" xmlns="" w="9525">
+                <a14:hiddenLine xmlns="" xmlns:a14="http://schemas.microsoft.com/office/drawing/2010/main" w="9525">
                   <a:solidFill>
                     <a:srgbClr val="000000"/>
                   </a:solidFill>
@@ -2647,7 +2657,7 @@
             </a:ln>
             <a:extLst>
               <a:ext uri="{91240B29-F687-4f45-9708-019B960494DF}">
-                <a14:hiddenLine xmlns:a14="http://schemas.microsoft.com/office/drawing/2010/main" xmlns="" w="9525">
+                <a14:hiddenLine xmlns="" xmlns:a14="http://schemas.microsoft.com/office/drawing/2010/main" w="9525">
                   <a:solidFill>
                     <a:srgbClr val="000000"/>
                   </a:solidFill>
@@ -2715,7 +2725,7 @@
             </a:ln>
             <a:extLst>
               <a:ext uri="{91240B29-F687-4f45-9708-019B960494DF}">
-                <a14:hiddenLine xmlns:a14="http://schemas.microsoft.com/office/drawing/2010/main" xmlns="" w="9525">
+                <a14:hiddenLine xmlns="" xmlns:a14="http://schemas.microsoft.com/office/drawing/2010/main" w="9525">
                   <a:solidFill>
                     <a:srgbClr val="000000"/>
                   </a:solidFill>
@@ -2777,7 +2787,7 @@
             </a:ln>
             <a:extLst>
               <a:ext uri="{91240B29-F687-4f45-9708-019B960494DF}">
-                <a14:hiddenLine xmlns:a14="http://schemas.microsoft.com/office/drawing/2010/main" xmlns="" w="9525">
+                <a14:hiddenLine xmlns="" xmlns:a14="http://schemas.microsoft.com/office/drawing/2010/main" w="9525">
                   <a:solidFill>
                     <a:srgbClr val="000000"/>
                   </a:solidFill>
@@ -2867,7 +2877,7 @@
             </a:ln>
             <a:extLst>
               <a:ext uri="{91240B29-F687-4f45-9708-019B960494DF}">
-                <a14:hiddenLine xmlns:a14="http://schemas.microsoft.com/office/drawing/2010/main" xmlns="" w="9525">
+                <a14:hiddenLine xmlns="" xmlns:a14="http://schemas.microsoft.com/office/drawing/2010/main" w="9525">
                   <a:solidFill>
                     <a:srgbClr val="000000"/>
                   </a:solidFill>
@@ -2929,7 +2939,7 @@
             </a:ln>
             <a:extLst>
               <a:ext uri="{91240B29-F687-4f45-9708-019B960494DF}">
-                <a14:hiddenLine xmlns:a14="http://schemas.microsoft.com/office/drawing/2010/main" xmlns="" w="9525">
+                <a14:hiddenLine xmlns="" xmlns:a14="http://schemas.microsoft.com/office/drawing/2010/main" w="9525">
                   <a:solidFill>
                     <a:srgbClr val="000000"/>
                   </a:solidFill>
@@ -3019,7 +3029,7 @@
             </a:ln>
             <a:extLst>
               <a:ext uri="{91240B29-F687-4f45-9708-019B960494DF}">
-                <a14:hiddenLine xmlns:a14="http://schemas.microsoft.com/office/drawing/2010/main" xmlns="" w="9525">
+                <a14:hiddenLine xmlns="" xmlns:a14="http://schemas.microsoft.com/office/drawing/2010/main" w="9525">
                   <a:solidFill>
                     <a:srgbClr val="000000"/>
                   </a:solidFill>
@@ -3081,7 +3091,7 @@
             </a:ln>
             <a:extLst>
               <a:ext uri="{91240B29-F687-4f45-9708-019B960494DF}">
-                <a14:hiddenLine xmlns:a14="http://schemas.microsoft.com/office/drawing/2010/main" xmlns="" w="9525">
+                <a14:hiddenLine xmlns="" xmlns:a14="http://schemas.microsoft.com/office/drawing/2010/main" w="9525">
                   <a:solidFill>
                     <a:srgbClr val="000000"/>
                   </a:solidFill>
@@ -3171,7 +3181,7 @@
             </a:ln>
             <a:extLst>
               <a:ext uri="{91240B29-F687-4f45-9708-019B960494DF}">
-                <a14:hiddenLine xmlns:a14="http://schemas.microsoft.com/office/drawing/2010/main" xmlns="" w="9525">
+                <a14:hiddenLine xmlns="" xmlns:a14="http://schemas.microsoft.com/office/drawing/2010/main" w="9525">
                   <a:solidFill>
                     <a:srgbClr val="000000"/>
                   </a:solidFill>
@@ -3205,7 +3215,7 @@
             </a:ln>
             <a:extLst>
               <a:ext uri="{91240B29-F687-4f45-9708-019B960494DF}">
-                <a14:hiddenLine xmlns:a14="http://schemas.microsoft.com/office/drawing/2010/main" xmlns="" w="9525">
+                <a14:hiddenLine xmlns="" xmlns:a14="http://schemas.microsoft.com/office/drawing/2010/main" w="9525">
                   <a:solidFill>
                     <a:srgbClr val="000000"/>
                   </a:solidFill>
@@ -3270,7 +3280,7 @@
             </a:ln>
             <a:extLst>
               <a:ext uri="{91240B29-F687-4f45-9708-019B960494DF}">
-                <a14:hiddenLine xmlns:a14="http://schemas.microsoft.com/office/drawing/2010/main" xmlns="" w="9525">
+                <a14:hiddenLine xmlns="" xmlns:a14="http://schemas.microsoft.com/office/drawing/2010/main" w="9525">
                   <a:solidFill>
                     <a:srgbClr val="000000"/>
                   </a:solidFill>
@@ -3360,7 +3370,7 @@
             </a:ln>
             <a:extLst>
               <a:ext uri="{91240B29-F687-4f45-9708-019B960494DF}">
-                <a14:hiddenLine xmlns:a14="http://schemas.microsoft.com/office/drawing/2010/main" xmlns="" w="9525">
+                <a14:hiddenLine xmlns="" xmlns:a14="http://schemas.microsoft.com/office/drawing/2010/main" w="9525">
                   <a:solidFill>
                     <a:srgbClr val="000000"/>
                   </a:solidFill>
@@ -3422,7 +3432,7 @@
             </a:ln>
             <a:extLst>
               <a:ext uri="{91240B29-F687-4f45-9708-019B960494DF}">
-                <a14:hiddenLine xmlns:a14="http://schemas.microsoft.com/office/drawing/2010/main" xmlns="" w="9525">
+                <a14:hiddenLine xmlns="" xmlns:a14="http://schemas.microsoft.com/office/drawing/2010/main" w="9525">
                   <a:solidFill>
                     <a:srgbClr val="000000"/>
                   </a:solidFill>
@@ -3512,7 +3522,7 @@
             </a:ln>
             <a:extLst>
               <a:ext uri="{91240B29-F687-4f45-9708-019B960494DF}">
-                <a14:hiddenLine xmlns:a14="http://schemas.microsoft.com/office/drawing/2010/main" xmlns="" w="9525">
+                <a14:hiddenLine xmlns="" xmlns:a14="http://schemas.microsoft.com/office/drawing/2010/main" w="9525">
                   <a:solidFill>
                     <a:srgbClr val="000000"/>
                   </a:solidFill>
@@ -3602,7 +3612,7 @@
             </a:ln>
             <a:extLst>
               <a:ext uri="{91240B29-F687-4f45-9708-019B960494DF}">
-                <a14:hiddenLine xmlns:a14="http://schemas.microsoft.com/office/drawing/2010/main" xmlns="" w="9525">
+                <a14:hiddenLine xmlns="" xmlns:a14="http://schemas.microsoft.com/office/drawing/2010/main" w="9525">
                   <a:solidFill>
                     <a:srgbClr val="000000"/>
                   </a:solidFill>
@@ -3667,7 +3677,7 @@
             </a:ln>
             <a:extLst>
               <a:ext uri="{91240B29-F687-4f45-9708-019B960494DF}">
-                <a14:hiddenLine xmlns:a14="http://schemas.microsoft.com/office/drawing/2010/main" xmlns="" w="9525">
+                <a14:hiddenLine xmlns="" xmlns:a14="http://schemas.microsoft.com/office/drawing/2010/main" w="9525">
                   <a:solidFill>
                     <a:srgbClr val="000000"/>
                   </a:solidFill>
@@ -3729,7 +3739,7 @@
             </a:ln>
             <a:extLst>
               <a:ext uri="{91240B29-F687-4f45-9708-019B960494DF}">
-                <a14:hiddenLine xmlns:a14="http://schemas.microsoft.com/office/drawing/2010/main" xmlns="" w="9525">
+                <a14:hiddenLine xmlns="" xmlns:a14="http://schemas.microsoft.com/office/drawing/2010/main" w="9525">
                   <a:solidFill>
                     <a:srgbClr val="000000"/>
                   </a:solidFill>
@@ -3819,7 +3829,7 @@
             </a:ln>
             <a:extLst>
               <a:ext uri="{91240B29-F687-4f45-9708-019B960494DF}">
-                <a14:hiddenLine xmlns:a14="http://schemas.microsoft.com/office/drawing/2010/main" xmlns="" w="9525">
+                <a14:hiddenLine xmlns="" xmlns:a14="http://schemas.microsoft.com/office/drawing/2010/main" w="9525">
                   <a:solidFill>
                     <a:srgbClr val="000000"/>
                   </a:solidFill>
@@ -3909,7 +3919,7 @@
             </a:ln>
             <a:extLst>
               <a:ext uri="{91240B29-F687-4f45-9708-019B960494DF}">
-                <a14:hiddenLine xmlns:a14="http://schemas.microsoft.com/office/drawing/2010/main" xmlns="" w="9525">
+                <a14:hiddenLine xmlns="" xmlns:a14="http://schemas.microsoft.com/office/drawing/2010/main" w="9525">
                   <a:solidFill>
                     <a:srgbClr val="000000"/>
                   </a:solidFill>
@@ -3971,7 +3981,7 @@
             </a:ln>
             <a:extLst>
               <a:ext uri="{91240B29-F687-4f45-9708-019B960494DF}">
-                <a14:hiddenLine xmlns:a14="http://schemas.microsoft.com/office/drawing/2010/main" xmlns="" w="9525">
+                <a14:hiddenLine xmlns="" xmlns:a14="http://schemas.microsoft.com/office/drawing/2010/main" w="9525">
                   <a:solidFill>
                     <a:srgbClr val="000000"/>
                   </a:solidFill>
@@ -4091,7 +4101,7 @@
             </a:ln>
             <a:extLst>
               <a:ext uri="{91240B29-F687-4f45-9708-019B960494DF}">
-                <a14:hiddenLine xmlns:a14="http://schemas.microsoft.com/office/drawing/2010/main" xmlns="" w="9525">
+                <a14:hiddenLine xmlns="" xmlns:a14="http://schemas.microsoft.com/office/drawing/2010/main" w="9525">
                   <a:solidFill>
                     <a:srgbClr val="000000"/>
                   </a:solidFill>
@@ -4159,7 +4169,7 @@
             </a:ln>
             <a:extLst>
               <a:ext uri="{91240B29-F687-4f45-9708-019B960494DF}">
-                <a14:hiddenLine xmlns:a14="http://schemas.microsoft.com/office/drawing/2010/main" xmlns="" w="9525">
+                <a14:hiddenLine xmlns="" xmlns:a14="http://schemas.microsoft.com/office/drawing/2010/main" w="9525">
                   <a:solidFill>
                     <a:srgbClr val="000000"/>
                   </a:solidFill>
@@ -4249,7 +4259,7 @@
             </a:ln>
             <a:extLst>
               <a:ext uri="{91240B29-F687-4f45-9708-019B960494DF}">
-                <a14:hiddenLine xmlns:a14="http://schemas.microsoft.com/office/drawing/2010/main" xmlns="" w="9525">
+                <a14:hiddenLine xmlns="" xmlns:a14="http://schemas.microsoft.com/office/drawing/2010/main" w="9525">
                   <a:solidFill>
                     <a:srgbClr val="000000"/>
                   </a:solidFill>
@@ -4389,7 +4399,7 @@
           <a:p>
             <a:fld id="{48A87A34-81AB-432B-8DAE-1953F412C126}" type="datetimeFigureOut">
               <a:rPr lang="en-US" dirty="0"/>
-              <a:t>10/1/24</a:t>
+              <a:t>10/3/2024</a:t>
             </a:fld>
             <a:endParaRPr lang="en-US" dirty="0"/>
           </a:p>
@@ -4651,7 +4661,7 @@
           <a:p>
             <a:fld id="{48A87A34-81AB-432B-8DAE-1953F412C126}" type="datetimeFigureOut">
               <a:rPr lang="en-US" dirty="0"/>
-              <a:t>10/1/24</a:t>
+              <a:t>10/3/2024</a:t>
             </a:fld>
             <a:endParaRPr lang="en-US" dirty="0"/>
           </a:p>
@@ -4842,7 +4852,7 @@
           <a:p>
             <a:fld id="{48A87A34-81AB-432B-8DAE-1953F412C126}" type="datetimeFigureOut">
               <a:rPr lang="en-US" dirty="0"/>
-              <a:t>10/1/24</a:t>
+              <a:t>10/3/2024</a:t>
             </a:fld>
             <a:endParaRPr lang="en-US" dirty="0"/>
           </a:p>
@@ -5100,7 +5110,7 @@
           <a:p>
             <a:fld id="{48A87A34-81AB-432B-8DAE-1953F412C126}" type="datetimeFigureOut">
               <a:rPr lang="en-US" dirty="0"/>
-              <a:t>10/1/24</a:t>
+              <a:t>10/3/2024</a:t>
             </a:fld>
             <a:endParaRPr lang="en-US" dirty="0"/>
           </a:p>
@@ -5529,7 +5539,7 @@
           <a:p>
             <a:fld id="{48A87A34-81AB-432B-8DAE-1953F412C126}" type="datetimeFigureOut">
               <a:rPr lang="en-US" dirty="0"/>
-              <a:t>10/1/24</a:t>
+              <a:t>10/3/2024</a:t>
             </a:fld>
             <a:endParaRPr lang="en-US" dirty="0"/>
           </a:p>
@@ -6070,7 +6080,7 @@
           <a:p>
             <a:fld id="{48A87A34-81AB-432B-8DAE-1953F412C126}" type="datetimeFigureOut">
               <a:rPr lang="en-US" dirty="0"/>
-              <a:t>10/1/24</a:t>
+              <a:t>10/3/2024</a:t>
             </a:fld>
             <a:endParaRPr lang="en-US" dirty="0"/>
           </a:p>
@@ -6785,7 +6795,7 @@
           <a:p>
             <a:fld id="{48A87A34-81AB-432B-8DAE-1953F412C126}" type="datetimeFigureOut">
               <a:rPr lang="en-US" dirty="0"/>
-              <a:t>10/1/24</a:t>
+              <a:t>10/3/2024</a:t>
             </a:fld>
             <a:endParaRPr lang="en-US" dirty="0"/>
           </a:p>
@@ -6950,7 +6960,7 @@
           <a:p>
             <a:fld id="{48A87A34-81AB-432B-8DAE-1953F412C126}" type="datetimeFigureOut">
               <a:rPr lang="en-US" dirty="0"/>
-              <a:t>10/1/24</a:t>
+              <a:t>10/3/2024</a:t>
             </a:fld>
             <a:endParaRPr lang="en-US" dirty="0"/>
           </a:p>
@@ -7125,7 +7135,7 @@
           <a:p>
             <a:fld id="{48A87A34-81AB-432B-8DAE-1953F412C126}" type="datetimeFigureOut">
               <a:rPr lang="en-US" dirty="0"/>
-              <a:t>10/1/24</a:t>
+              <a:t>10/3/2024</a:t>
             </a:fld>
             <a:endParaRPr lang="en-US" dirty="0"/>
           </a:p>
@@ -7290,7 +7300,7 @@
           <a:p>
             <a:fld id="{48A87A34-81AB-432B-8DAE-1953F412C126}" type="datetimeFigureOut">
               <a:rPr lang="en-US" dirty="0"/>
-              <a:t>10/1/24</a:t>
+              <a:t>10/3/2024</a:t>
             </a:fld>
             <a:endParaRPr lang="en-US" dirty="0"/>
           </a:p>
@@ -7535,7 +7545,7 @@
           <a:p>
             <a:fld id="{48A87A34-81AB-432B-8DAE-1953F412C126}" type="datetimeFigureOut">
               <a:rPr lang="en-US" dirty="0"/>
-              <a:t>10/1/24</a:t>
+              <a:t>10/3/2024</a:t>
             </a:fld>
             <a:endParaRPr lang="en-US" dirty="0"/>
           </a:p>
@@ -7762,7 +7772,7 @@
           <a:p>
             <a:fld id="{48A87A34-81AB-432B-8DAE-1953F412C126}" type="datetimeFigureOut">
               <a:rPr lang="en-US" dirty="0"/>
-              <a:t>10/1/24</a:t>
+              <a:t>10/3/2024</a:t>
             </a:fld>
             <a:endParaRPr lang="en-US" dirty="0"/>
           </a:p>
@@ -8138,7 +8148,7 @@
           <a:p>
             <a:fld id="{48A87A34-81AB-432B-8DAE-1953F412C126}" type="datetimeFigureOut">
               <a:rPr lang="en-US" dirty="0"/>
-              <a:t>10/1/24</a:t>
+              <a:t>10/3/2024</a:t>
             </a:fld>
             <a:endParaRPr lang="en-US" dirty="0"/>
           </a:p>
@@ -8251,7 +8261,7 @@
           <a:p>
             <a:fld id="{48A87A34-81AB-432B-8DAE-1953F412C126}" type="datetimeFigureOut">
               <a:rPr lang="en-US" dirty="0"/>
-              <a:t>10/1/24</a:t>
+              <a:t>10/3/2024</a:t>
             </a:fld>
             <a:endParaRPr lang="en-US" dirty="0"/>
           </a:p>
@@ -8341,7 +8351,7 @@
           <a:p>
             <a:fld id="{48A87A34-81AB-432B-8DAE-1953F412C126}" type="datetimeFigureOut">
               <a:rPr lang="en-US" dirty="0"/>
-              <a:t>10/1/24</a:t>
+              <a:t>10/3/2024</a:t>
             </a:fld>
             <a:endParaRPr lang="en-US" dirty="0"/>
           </a:p>
@@ -8585,7 +8595,7 @@
           <a:p>
             <a:fld id="{48A87A34-81AB-432B-8DAE-1953F412C126}" type="datetimeFigureOut">
               <a:rPr lang="en-US" dirty="0"/>
-              <a:t>10/1/24</a:t>
+              <a:t>10/3/2024</a:t>
             </a:fld>
             <a:endParaRPr lang="en-US" dirty="0"/>
           </a:p>
@@ -8860,7 +8870,7 @@
           <a:p>
             <a:fld id="{48A87A34-81AB-432B-8DAE-1953F412C126}" type="datetimeFigureOut">
               <a:rPr lang="en-US" dirty="0"/>
-              <a:t>10/1/24</a:t>
+              <a:t>10/3/2024</a:t>
             </a:fld>
             <a:endParaRPr lang="en-US" dirty="0"/>
           </a:p>
@@ -8971,7 +8981,7 @@
           <a:noFill/>
           <a:extLst>
             <a:ext uri="{909E8E84-426E-40dd-AFC4-6F175D3DCCD1}">
-              <a14:hiddenFill xmlns:a14="http://schemas.microsoft.com/office/drawing/2010/main" xmlns="">
+              <a14:hiddenFill xmlns="" xmlns:a14="http://schemas.microsoft.com/office/drawing/2010/main">
                 <a:solidFill>
                   <a:srgbClr val="FFFFFF"/>
                 </a:solidFill>
@@ -9045,7 +9055,7 @@
               </a:ln>
               <a:extLst>
                 <a:ext uri="{91240B29-F687-4f45-9708-019B960494DF}">
-                  <a14:hiddenLine xmlns:a14="http://schemas.microsoft.com/office/drawing/2010/main" xmlns="" w="9525">
+                  <a14:hiddenLine xmlns="" xmlns:a14="http://schemas.microsoft.com/office/drawing/2010/main" w="9525">
                     <a:solidFill>
                       <a:srgbClr val="000000"/>
                     </a:solidFill>
@@ -9135,7 +9145,7 @@
               </a:ln>
               <a:extLst>
                 <a:ext uri="{91240B29-F687-4f45-9708-019B960494DF}">
-                  <a14:hiddenLine xmlns:a14="http://schemas.microsoft.com/office/drawing/2010/main" xmlns="" w="9525">
+                  <a14:hiddenLine xmlns="" xmlns:a14="http://schemas.microsoft.com/office/drawing/2010/main" w="9525">
                     <a:solidFill>
                       <a:srgbClr val="000000"/>
                     </a:solidFill>
@@ -9225,7 +9235,7 @@
               </a:ln>
               <a:extLst>
                 <a:ext uri="{91240B29-F687-4f45-9708-019B960494DF}">
-                  <a14:hiddenLine xmlns:a14="http://schemas.microsoft.com/office/drawing/2010/main" xmlns="" w="9525">
+                  <a14:hiddenLine xmlns="" xmlns:a14="http://schemas.microsoft.com/office/drawing/2010/main" w="9525">
                     <a:solidFill>
                       <a:srgbClr val="000000"/>
                     </a:solidFill>
@@ -9287,7 +9297,7 @@
               </a:ln>
               <a:extLst>
                 <a:ext uri="{91240B29-F687-4f45-9708-019B960494DF}">
-                  <a14:hiddenLine xmlns:a14="http://schemas.microsoft.com/office/drawing/2010/main" xmlns="" w="9525">
+                  <a14:hiddenLine xmlns="" xmlns:a14="http://schemas.microsoft.com/office/drawing/2010/main" w="9525">
                     <a:solidFill>
                       <a:srgbClr val="000000"/>
                     </a:solidFill>
@@ -9377,7 +9387,7 @@
               </a:ln>
               <a:extLst>
                 <a:ext uri="{91240B29-F687-4f45-9708-019B960494DF}">
-                  <a14:hiddenLine xmlns:a14="http://schemas.microsoft.com/office/drawing/2010/main" xmlns="" w="9525">
+                  <a14:hiddenLine xmlns="" xmlns:a14="http://schemas.microsoft.com/office/drawing/2010/main" w="9525">
                     <a:solidFill>
                       <a:srgbClr val="000000"/>
                     </a:solidFill>
@@ -9439,7 +9449,7 @@
               </a:ln>
               <a:extLst>
                 <a:ext uri="{91240B29-F687-4f45-9708-019B960494DF}">
-                  <a14:hiddenLine xmlns:a14="http://schemas.microsoft.com/office/drawing/2010/main" xmlns="" w="9525">
+                  <a14:hiddenLine xmlns="" xmlns:a14="http://schemas.microsoft.com/office/drawing/2010/main" w="9525">
                     <a:solidFill>
                       <a:srgbClr val="000000"/>
                     </a:solidFill>
@@ -9501,7 +9511,7 @@
               </a:ln>
               <a:extLst>
                 <a:ext uri="{91240B29-F687-4f45-9708-019B960494DF}">
-                  <a14:hiddenLine xmlns:a14="http://schemas.microsoft.com/office/drawing/2010/main" xmlns="" w="9525">
+                  <a14:hiddenLine xmlns="" xmlns:a14="http://schemas.microsoft.com/office/drawing/2010/main" w="9525">
                     <a:solidFill>
                       <a:srgbClr val="000000"/>
                     </a:solidFill>
@@ -9591,7 +9601,7 @@
               </a:ln>
               <a:extLst>
                 <a:ext uri="{91240B29-F687-4f45-9708-019B960494DF}">
-                  <a14:hiddenLine xmlns:a14="http://schemas.microsoft.com/office/drawing/2010/main" xmlns="" w="9525">
+                  <a14:hiddenLine xmlns="" xmlns:a14="http://schemas.microsoft.com/office/drawing/2010/main" w="9525">
                     <a:solidFill>
                       <a:srgbClr val="000000"/>
                     </a:solidFill>
@@ -9681,7 +9691,7 @@
               </a:ln>
               <a:extLst>
                 <a:ext uri="{91240B29-F687-4f45-9708-019B960494DF}">
-                  <a14:hiddenLine xmlns:a14="http://schemas.microsoft.com/office/drawing/2010/main" xmlns="" w="9525">
+                  <a14:hiddenLine xmlns="" xmlns:a14="http://schemas.microsoft.com/office/drawing/2010/main" w="9525">
                     <a:solidFill>
                       <a:srgbClr val="000000"/>
                     </a:solidFill>
@@ -9743,7 +9753,7 @@
               </a:ln>
               <a:extLst>
                 <a:ext uri="{91240B29-F687-4f45-9708-019B960494DF}">
-                  <a14:hiddenLine xmlns:a14="http://schemas.microsoft.com/office/drawing/2010/main" xmlns="" w="9525">
+                  <a14:hiddenLine xmlns="" xmlns:a14="http://schemas.microsoft.com/office/drawing/2010/main" w="9525">
                     <a:solidFill>
                       <a:srgbClr val="000000"/>
                     </a:solidFill>
@@ -9853,7 +9863,7 @@
               </a:ln>
               <a:extLst>
                 <a:ext uri="{91240B29-F687-4f45-9708-019B960494DF}">
-                  <a14:hiddenLine xmlns:a14="http://schemas.microsoft.com/office/drawing/2010/main" xmlns="" w="9525">
+                  <a14:hiddenLine xmlns="" xmlns:a14="http://schemas.microsoft.com/office/drawing/2010/main" w="9525">
                     <a:solidFill>
                       <a:srgbClr val="000000"/>
                     </a:solidFill>
@@ -9937,7 +9947,7 @@
               </a:ln>
               <a:extLst>
                 <a:ext uri="{91240B29-F687-4f45-9708-019B960494DF}">
-                  <a14:hiddenLine xmlns:a14="http://schemas.microsoft.com/office/drawing/2010/main" xmlns="" w="9525">
+                  <a14:hiddenLine xmlns="" xmlns:a14="http://schemas.microsoft.com/office/drawing/2010/main" w="9525">
                     <a:solidFill>
                       <a:srgbClr val="000000"/>
                     </a:solidFill>
@@ -9999,7 +10009,7 @@
               </a:ln>
               <a:extLst>
                 <a:ext uri="{91240B29-F687-4f45-9708-019B960494DF}">
-                  <a14:hiddenLine xmlns:a14="http://schemas.microsoft.com/office/drawing/2010/main" xmlns="" w="9525">
+                  <a14:hiddenLine xmlns="" xmlns:a14="http://schemas.microsoft.com/office/drawing/2010/main" w="9525">
                     <a:solidFill>
                       <a:srgbClr val="000000"/>
                     </a:solidFill>
@@ -10061,7 +10071,7 @@
               </a:ln>
               <a:extLst>
                 <a:ext uri="{91240B29-F687-4f45-9708-019B960494DF}">
-                  <a14:hiddenLine xmlns:a14="http://schemas.microsoft.com/office/drawing/2010/main" xmlns="" w="9525">
+                  <a14:hiddenLine xmlns="" xmlns:a14="http://schemas.microsoft.com/office/drawing/2010/main" w="9525">
                     <a:solidFill>
                       <a:srgbClr val="000000"/>
                     </a:solidFill>
@@ -10151,7 +10161,7 @@
               </a:ln>
               <a:extLst>
                 <a:ext uri="{91240B29-F687-4f45-9708-019B960494DF}">
-                  <a14:hiddenLine xmlns:a14="http://schemas.microsoft.com/office/drawing/2010/main" xmlns="" w="9525">
+                  <a14:hiddenLine xmlns="" xmlns:a14="http://schemas.microsoft.com/office/drawing/2010/main" w="9525">
                     <a:solidFill>
                       <a:srgbClr val="000000"/>
                     </a:solidFill>
@@ -10185,7 +10195,7 @@
               </a:ln>
               <a:extLst>
                 <a:ext uri="{91240B29-F687-4f45-9708-019B960494DF}">
-                  <a14:hiddenLine xmlns:a14="http://schemas.microsoft.com/office/drawing/2010/main" xmlns="" w="9525">
+                  <a14:hiddenLine xmlns="" xmlns:a14="http://schemas.microsoft.com/office/drawing/2010/main" w="9525">
                     <a:solidFill>
                       <a:srgbClr val="000000"/>
                     </a:solidFill>
@@ -10250,7 +10260,7 @@
               </a:ln>
               <a:extLst>
                 <a:ext uri="{91240B29-F687-4f45-9708-019B960494DF}">
-                  <a14:hiddenLine xmlns:a14="http://schemas.microsoft.com/office/drawing/2010/main" xmlns="" w="9525">
+                  <a14:hiddenLine xmlns="" xmlns:a14="http://schemas.microsoft.com/office/drawing/2010/main" w="9525">
                     <a:solidFill>
                       <a:srgbClr val="000000"/>
                     </a:solidFill>
@@ -10340,7 +10350,7 @@
               </a:ln>
               <a:extLst>
                 <a:ext uri="{91240B29-F687-4f45-9708-019B960494DF}">
-                  <a14:hiddenLine xmlns:a14="http://schemas.microsoft.com/office/drawing/2010/main" xmlns="" w="9525">
+                  <a14:hiddenLine xmlns="" xmlns:a14="http://schemas.microsoft.com/office/drawing/2010/main" w="9525">
                     <a:solidFill>
                       <a:srgbClr val="000000"/>
                     </a:solidFill>
@@ -10402,7 +10412,7 @@
               </a:ln>
               <a:extLst>
                 <a:ext uri="{91240B29-F687-4f45-9708-019B960494DF}">
-                  <a14:hiddenLine xmlns:a14="http://schemas.microsoft.com/office/drawing/2010/main" xmlns="" w="9525">
+                  <a14:hiddenLine xmlns="" xmlns:a14="http://schemas.microsoft.com/office/drawing/2010/main" w="9525">
                     <a:solidFill>
                       <a:srgbClr val="000000"/>
                     </a:solidFill>
@@ -10492,7 +10502,7 @@
               </a:ln>
               <a:extLst>
                 <a:ext uri="{91240B29-F687-4f45-9708-019B960494DF}">
-                  <a14:hiddenLine xmlns:a14="http://schemas.microsoft.com/office/drawing/2010/main" xmlns="" w="9525">
+                  <a14:hiddenLine xmlns="" xmlns:a14="http://schemas.microsoft.com/office/drawing/2010/main" w="9525">
                     <a:solidFill>
                       <a:srgbClr val="000000"/>
                     </a:solidFill>
@@ -10557,7 +10567,7 @@
               </a:ln>
               <a:extLst>
                 <a:ext uri="{91240B29-F687-4f45-9708-019B960494DF}">
-                  <a14:hiddenLine xmlns:a14="http://schemas.microsoft.com/office/drawing/2010/main" xmlns="" w="9525">
+                  <a14:hiddenLine xmlns="" xmlns:a14="http://schemas.microsoft.com/office/drawing/2010/main" w="9525">
                     <a:solidFill>
                       <a:srgbClr val="000000"/>
                     </a:solidFill>
@@ -10619,7 +10629,7 @@
               </a:ln>
               <a:extLst>
                 <a:ext uri="{91240B29-F687-4f45-9708-019B960494DF}">
-                  <a14:hiddenLine xmlns:a14="http://schemas.microsoft.com/office/drawing/2010/main" xmlns="" w="9525">
+                  <a14:hiddenLine xmlns="" xmlns:a14="http://schemas.microsoft.com/office/drawing/2010/main" w="9525">
                     <a:solidFill>
                       <a:srgbClr val="000000"/>
                     </a:solidFill>
@@ -10709,7 +10719,7 @@
               </a:ln>
               <a:extLst>
                 <a:ext uri="{91240B29-F687-4f45-9708-019B960494DF}">
-                  <a14:hiddenLine xmlns:a14="http://schemas.microsoft.com/office/drawing/2010/main" xmlns="" w="9525">
+                  <a14:hiddenLine xmlns="" xmlns:a14="http://schemas.microsoft.com/office/drawing/2010/main" w="9525">
                     <a:solidFill>
                       <a:srgbClr val="000000"/>
                     </a:solidFill>
@@ -10799,7 +10809,7 @@
               </a:ln>
               <a:extLst>
                 <a:ext uri="{91240B29-F687-4f45-9708-019B960494DF}">
-                  <a14:hiddenLine xmlns:a14="http://schemas.microsoft.com/office/drawing/2010/main" xmlns="" w="9525">
+                  <a14:hiddenLine xmlns="" xmlns:a14="http://schemas.microsoft.com/office/drawing/2010/main" w="9525">
                     <a:solidFill>
                       <a:srgbClr val="000000"/>
                     </a:solidFill>
@@ -10864,7 +10874,7 @@
               </a:ln>
               <a:extLst>
                 <a:ext uri="{91240B29-F687-4f45-9708-019B960494DF}">
-                  <a14:hiddenLine xmlns:a14="http://schemas.microsoft.com/office/drawing/2010/main" xmlns="" w="9525">
+                  <a14:hiddenLine xmlns="" xmlns:a14="http://schemas.microsoft.com/office/drawing/2010/main" w="9525">
                     <a:solidFill>
                       <a:srgbClr val="000000"/>
                     </a:solidFill>
@@ -10984,7 +10994,7 @@
               </a:ln>
               <a:extLst>
                 <a:ext uri="{91240B29-F687-4f45-9708-019B960494DF}">
-                  <a14:hiddenLine xmlns:a14="http://schemas.microsoft.com/office/drawing/2010/main" xmlns="" w="9525">
+                  <a14:hiddenLine xmlns="" xmlns:a14="http://schemas.microsoft.com/office/drawing/2010/main" w="9525">
                     <a:solidFill>
                       <a:srgbClr val="000000"/>
                     </a:solidFill>
@@ -11082,7 +11092,7 @@
               </a:ln>
               <a:extLst>
                 <a:ext uri="{91240B29-F687-4f45-9708-019B960494DF}">
-                  <a14:hiddenLine xmlns:a14="http://schemas.microsoft.com/office/drawing/2010/main" xmlns="" w="9525">
+                  <a14:hiddenLine xmlns="" xmlns:a14="http://schemas.microsoft.com/office/drawing/2010/main" w="9525">
                     <a:solidFill>
                       <a:srgbClr val="000000"/>
                     </a:solidFill>
@@ -11197,7 +11207,7 @@
               </a:ln>
               <a:extLst>
                 <a:ext uri="{91240B29-F687-4f45-9708-019B960494DF}">
-                  <a14:hiddenLine xmlns:a14="http://schemas.microsoft.com/office/drawing/2010/main" xmlns="" w="9525">
+                  <a14:hiddenLine xmlns="" xmlns:a14="http://schemas.microsoft.com/office/drawing/2010/main" w="9525">
                     <a:solidFill>
                       <a:srgbClr val="000000"/>
                     </a:solidFill>
@@ -11287,7 +11297,7 @@
               </a:ln>
               <a:extLst>
                 <a:ext uri="{91240B29-F687-4f45-9708-019B960494DF}">
-                  <a14:hiddenLine xmlns:a14="http://schemas.microsoft.com/office/drawing/2010/main" xmlns="" w="9525">
+                  <a14:hiddenLine xmlns="" xmlns:a14="http://schemas.microsoft.com/office/drawing/2010/main" w="9525">
                     <a:solidFill>
                       <a:srgbClr val="000000"/>
                     </a:solidFill>
@@ -11352,7 +11362,7 @@
               </a:ln>
               <a:extLst>
                 <a:ext uri="{91240B29-F687-4f45-9708-019B960494DF}">
-                  <a14:hiddenLine xmlns:a14="http://schemas.microsoft.com/office/drawing/2010/main" xmlns="" w="9525">
+                  <a14:hiddenLine xmlns="" xmlns:a14="http://schemas.microsoft.com/office/drawing/2010/main" w="9525">
                     <a:solidFill>
                       <a:srgbClr val="000000"/>
                     </a:solidFill>
@@ -11442,7 +11452,7 @@
               </a:ln>
               <a:extLst>
                 <a:ext uri="{91240B29-F687-4f45-9708-019B960494DF}">
-                  <a14:hiddenLine xmlns:a14="http://schemas.microsoft.com/office/drawing/2010/main" xmlns="" w="9525">
+                  <a14:hiddenLine xmlns="" xmlns:a14="http://schemas.microsoft.com/office/drawing/2010/main" w="9525">
                     <a:solidFill>
                       <a:srgbClr val="000000"/>
                     </a:solidFill>
@@ -11510,7 +11520,7 @@
               </a:ln>
               <a:extLst>
                 <a:ext uri="{91240B29-F687-4f45-9708-019B960494DF}">
-                  <a14:hiddenLine xmlns:a14="http://schemas.microsoft.com/office/drawing/2010/main" xmlns="" w="9525">
+                  <a14:hiddenLine xmlns="" xmlns:a14="http://schemas.microsoft.com/office/drawing/2010/main" w="9525">
                     <a:solidFill>
                       <a:srgbClr val="000000"/>
                     </a:solidFill>
@@ -11600,7 +11610,7 @@
               </a:ln>
               <a:extLst>
                 <a:ext uri="{91240B29-F687-4f45-9708-019B960494DF}">
-                  <a14:hiddenLine xmlns:a14="http://schemas.microsoft.com/office/drawing/2010/main" xmlns="" w="9525">
+                  <a14:hiddenLine xmlns="" xmlns:a14="http://schemas.microsoft.com/office/drawing/2010/main" w="9525">
                     <a:solidFill>
                       <a:srgbClr val="000000"/>
                     </a:solidFill>
@@ -11668,7 +11678,7 @@
               </a:ln>
               <a:extLst>
                 <a:ext uri="{91240B29-F687-4f45-9708-019B960494DF}">
-                  <a14:hiddenLine xmlns:a14="http://schemas.microsoft.com/office/drawing/2010/main" xmlns="" w="9525">
+                  <a14:hiddenLine xmlns="" xmlns:a14="http://schemas.microsoft.com/office/drawing/2010/main" w="9525">
                     <a:solidFill>
                       <a:srgbClr val="000000"/>
                     </a:solidFill>
@@ -11758,7 +11768,7 @@
               </a:ln>
               <a:extLst>
                 <a:ext uri="{91240B29-F687-4f45-9708-019B960494DF}">
-                  <a14:hiddenLine xmlns:a14="http://schemas.microsoft.com/office/drawing/2010/main" xmlns="" w="9525">
+                  <a14:hiddenLine xmlns="" xmlns:a14="http://schemas.microsoft.com/office/drawing/2010/main" w="9525">
                     <a:solidFill>
                       <a:srgbClr val="000000"/>
                     </a:solidFill>
@@ -11792,7 +11802,7 @@
               </a:ln>
               <a:extLst>
                 <a:ext uri="{91240B29-F687-4f45-9708-019B960494DF}">
-                  <a14:hiddenLine xmlns:a14="http://schemas.microsoft.com/office/drawing/2010/main" xmlns="" w="9525">
+                  <a14:hiddenLine xmlns="" xmlns:a14="http://schemas.microsoft.com/office/drawing/2010/main" w="9525">
                     <a:solidFill>
                       <a:srgbClr val="000000"/>
                     </a:solidFill>
@@ -11933,7 +11943,7 @@
             <a:fld id="{48A87A34-81AB-432B-8DAE-1953F412C126}" type="datetimeFigureOut">
               <a:rPr lang="en-US" dirty="0"/>
               <a:pPr/>
-              <a:t>10/1/24</a:t>
+              <a:t>10/3/2024</a:t>
             </a:fld>
             <a:endParaRPr lang="en-US" dirty="0"/>
           </a:p>
@@ -12418,6 +12428,362 @@
 </p:sld>
 </file>
 
+<file path=ppt/slides/slide10.xml><?xml version="1.0" encoding="utf-8"?>
+<p:sld xmlns:a="http://schemas.openxmlformats.org/drawingml/2006/main" xmlns:r="http://schemas.openxmlformats.org/officeDocument/2006/relationships" xmlns:p="http://schemas.openxmlformats.org/presentationml/2006/main">
+  <p:cSld>
+    <p:spTree>
+      <p:nvGrpSpPr>
+        <p:cNvPr id="1" name=""/>
+        <p:cNvGrpSpPr/>
+        <p:nvPr/>
+      </p:nvGrpSpPr>
+      <p:grpSpPr>
+        <a:xfrm>
+          <a:off x="0" y="0"/>
+          <a:ext cx="0" cy="0"/>
+          <a:chOff x="0" y="0"/>
+          <a:chExt cx="0" cy="0"/>
+        </a:xfrm>
+      </p:grpSpPr>
+      <p:pic>
+        <p:nvPicPr>
+          <p:cNvPr id="3" name="Picture 2">
+            <a:extLst>
+              <a:ext uri="{FF2B5EF4-FFF2-40B4-BE49-F238E27FC236}">
+                <a16:creationId xmlns:a16="http://schemas.microsoft.com/office/drawing/2014/main" id="{8D2DC5D1-787A-EFD6-123C-9DEEBB1E7CB6}"/>
+              </a:ext>
+            </a:extLst>
+          </p:cNvPr>
+          <p:cNvPicPr>
+            <a:picLocks noChangeAspect="1"/>
+          </p:cNvPicPr>
+          <p:nvPr/>
+        </p:nvPicPr>
+        <p:blipFill>
+          <a:blip r:embed="rId2"/>
+          <a:stretch>
+            <a:fillRect/>
+          </a:stretch>
+        </p:blipFill>
+        <p:spPr>
+          <a:xfrm>
+            <a:off x="4118204" y="615679"/>
+            <a:ext cx="8073796" cy="5345174"/>
+          </a:xfrm>
+          <a:prstGeom prst="rect">
+            <a:avLst/>
+          </a:prstGeom>
+        </p:spPr>
+      </p:pic>
+      <p:sp>
+        <p:nvSpPr>
+          <p:cNvPr id="4" name="TextBox 3">
+            <a:extLst>
+              <a:ext uri="{FF2B5EF4-FFF2-40B4-BE49-F238E27FC236}">
+                <a16:creationId xmlns:a16="http://schemas.microsoft.com/office/drawing/2014/main" id="{E85ABBED-A1FE-FB7B-761E-54D233512B67}"/>
+              </a:ext>
+            </a:extLst>
+          </p:cNvPr>
+          <p:cNvSpPr txBox="1"/>
+          <p:nvPr/>
+        </p:nvSpPr>
+        <p:spPr>
+          <a:xfrm>
+            <a:off x="845388" y="420214"/>
+            <a:ext cx="3046357" cy="5878532"/>
+          </a:xfrm>
+          <a:prstGeom prst="rect">
+            <a:avLst/>
+          </a:prstGeom>
+          <a:noFill/>
+        </p:spPr>
+        <p:txBody>
+          <a:bodyPr wrap="square" rtlCol="0">
+            <a:spAutoFit/>
+          </a:bodyPr>
+          <a:lstStyle/>
+          <a:p>
+            <a:r>
+              <a:rPr lang="en-US" sz="3200" dirty="0"/>
+              <a:t>Physical Activity Level vs. Stress Level :</a:t>
+            </a:r>
+          </a:p>
+          <a:p>
+            <a:r>
+              <a:rPr lang="en-US" sz="1400" dirty="0"/>
+              <a:t>We observed a negative correlation between physical activity levels and stress levels. With the new filtered data, we expect this trend to persist.</a:t>
+            </a:r>
+          </a:p>
+          <a:p>
+            <a:r>
+              <a:rPr lang="en-US" sz="1400" dirty="0"/>
+              <a:t>For the remaining occupations like Software Engineers and Engineers, their stress levels may show clearer declines with higher physical activity, given that these professions are often sedentary, and physical activity can provide a significant mental health benefit.</a:t>
+            </a:r>
+          </a:p>
+          <a:p>
+            <a:r>
+              <a:rPr lang="en-US" sz="1400" dirty="0"/>
+              <a:t>Analysis: The relationship between physical activity and stress reduction should remain visible or even more pronounced in the filtered group, confirming that engaging in regular physical activity helps mitigate stress, especially in professions with a sedentary nature like engineering and sales.</a:t>
+            </a:r>
+          </a:p>
+        </p:txBody>
+      </p:sp>
+    </p:spTree>
+    <p:extLst>
+      <p:ext uri="{BB962C8B-B14F-4D97-AF65-F5344CB8AC3E}">
+        <p14:creationId xmlns:p14="http://schemas.microsoft.com/office/powerpoint/2010/main" val="1922417794"/>
+      </p:ext>
+    </p:extLst>
+  </p:cSld>
+  <p:clrMapOvr>
+    <a:masterClrMapping/>
+  </p:clrMapOvr>
+</p:sld>
+</file>
+
+<file path=ppt/slides/slide11.xml><?xml version="1.0" encoding="utf-8"?>
+<p:sld xmlns:a="http://schemas.openxmlformats.org/drawingml/2006/main" xmlns:r="http://schemas.openxmlformats.org/officeDocument/2006/relationships" xmlns:p="http://schemas.openxmlformats.org/presentationml/2006/main">
+  <p:cSld>
+    <p:spTree>
+      <p:nvGrpSpPr>
+        <p:cNvPr id="1" name=""/>
+        <p:cNvGrpSpPr/>
+        <p:nvPr/>
+      </p:nvGrpSpPr>
+      <p:grpSpPr>
+        <a:xfrm>
+          <a:off x="0" y="0"/>
+          <a:ext cx="0" cy="0"/>
+          <a:chOff x="0" y="0"/>
+          <a:chExt cx="0" cy="0"/>
+        </a:xfrm>
+      </p:grpSpPr>
+      <p:pic>
+        <p:nvPicPr>
+          <p:cNvPr id="3" name="Picture 2">
+            <a:extLst>
+              <a:ext uri="{FF2B5EF4-FFF2-40B4-BE49-F238E27FC236}">
+                <a16:creationId xmlns:a16="http://schemas.microsoft.com/office/drawing/2014/main" id="{395FB9FC-959D-3D2F-256D-B06EF2876D28}"/>
+              </a:ext>
+            </a:extLst>
+          </p:cNvPr>
+          <p:cNvPicPr>
+            <a:picLocks noChangeAspect="1"/>
+          </p:cNvPicPr>
+          <p:nvPr/>
+        </p:nvPicPr>
+        <p:blipFill>
+          <a:blip r:embed="rId2"/>
+          <a:stretch>
+            <a:fillRect/>
+          </a:stretch>
+        </p:blipFill>
+        <p:spPr>
+          <a:xfrm>
+            <a:off x="5126552" y="72349"/>
+            <a:ext cx="7065448" cy="4214979"/>
+          </a:xfrm>
+          <a:prstGeom prst="rect">
+            <a:avLst/>
+          </a:prstGeom>
+        </p:spPr>
+      </p:pic>
+      <p:sp>
+        <p:nvSpPr>
+          <p:cNvPr id="7" name="TextBox 6">
+            <a:extLst>
+              <a:ext uri="{FF2B5EF4-FFF2-40B4-BE49-F238E27FC236}">
+                <a16:creationId xmlns:a16="http://schemas.microsoft.com/office/drawing/2014/main" id="{3BF5249F-9854-72F0-9A8E-310FF469E066}"/>
+              </a:ext>
+            </a:extLst>
+          </p:cNvPr>
+          <p:cNvSpPr txBox="1"/>
+          <p:nvPr/>
+        </p:nvSpPr>
+        <p:spPr>
+          <a:xfrm>
+            <a:off x="508958" y="4502989"/>
+            <a:ext cx="11430000" cy="2092881"/>
+          </a:xfrm>
+          <a:prstGeom prst="rect">
+            <a:avLst/>
+          </a:prstGeom>
+          <a:noFill/>
+        </p:spPr>
+        <p:txBody>
+          <a:bodyPr wrap="square" rtlCol="0">
+            <a:spAutoFit/>
+          </a:bodyPr>
+          <a:lstStyle/>
+          <a:p>
+            <a:r>
+              <a:rPr lang="en-US" dirty="0"/>
+              <a:t> </a:t>
+            </a:r>
+          </a:p>
+          <a:p>
+            <a:r>
+              <a:rPr lang="en-US" sz="1400" dirty="0"/>
+              <a:t>More daily steps were correlated with better sleep quality. After filtering out some occupations, this correlation should still be relevant but might show more consistency across the remaining tech-related professions.</a:t>
+            </a:r>
+          </a:p>
+          <a:p>
+            <a:r>
+              <a:rPr lang="en-US" sz="1400" dirty="0"/>
+              <a:t>Tech workers like Software Engineers and Engineers, who generally work long hours in front of screens, can benefit from physical activity, particularly in terms of improved sleep. Increased daily steps are likely to contribute to better sleep quality in these roles due to the positive effects of exercise on reducing stress, improving cardiovascular health, and promoting better sleep cycles.</a:t>
+            </a:r>
+          </a:p>
+          <a:p>
+            <a:r>
+              <a:rPr lang="en-US" sz="1400" dirty="0"/>
+              <a:t>Analysis: With the filtered data, the relationship between daily steps and sleep quality is expected to become clearer. Occupations like software engineering, which are highly sedentary, are more likely to exhibit improvements in sleep quality as their physical activity increases. This reinforces the notion that even light physical activities like walking can significantly improve sleep and, consequently, mental health in tech professions.</a:t>
+            </a:r>
+          </a:p>
+        </p:txBody>
+      </p:sp>
+      <p:sp>
+        <p:nvSpPr>
+          <p:cNvPr id="8" name="TextBox 7">
+            <a:extLst>
+              <a:ext uri="{FF2B5EF4-FFF2-40B4-BE49-F238E27FC236}">
+                <a16:creationId xmlns:a16="http://schemas.microsoft.com/office/drawing/2014/main" id="{18AD5D30-61CD-75A2-B35C-CA53A29B5ACB}"/>
+              </a:ext>
+            </a:extLst>
+          </p:cNvPr>
+          <p:cNvSpPr txBox="1"/>
+          <p:nvPr/>
+        </p:nvSpPr>
+        <p:spPr>
+          <a:xfrm>
+            <a:off x="252383" y="1117923"/>
+            <a:ext cx="4597879" cy="3139321"/>
+          </a:xfrm>
+          <a:prstGeom prst="rect">
+            <a:avLst/>
+          </a:prstGeom>
+          <a:noFill/>
+        </p:spPr>
+        <p:txBody>
+          <a:bodyPr wrap="square" rtlCol="0">
+            <a:spAutoFit/>
+          </a:bodyPr>
+          <a:lstStyle/>
+          <a:p>
+            <a:r>
+              <a:rPr lang="en-US" sz="6600" dirty="0"/>
+              <a:t>Daily Steps vs. Sleep Quality :</a:t>
+            </a:r>
+          </a:p>
+        </p:txBody>
+      </p:sp>
+    </p:spTree>
+    <p:extLst>
+      <p:ext uri="{BB962C8B-B14F-4D97-AF65-F5344CB8AC3E}">
+        <p14:creationId xmlns:p14="http://schemas.microsoft.com/office/powerpoint/2010/main" val="2443863829"/>
+      </p:ext>
+    </p:extLst>
+  </p:cSld>
+  <p:clrMapOvr>
+    <a:masterClrMapping/>
+  </p:clrMapOvr>
+</p:sld>
+</file>
+
+<file path=ppt/slides/slide12.xml><?xml version="1.0" encoding="utf-8"?>
+<p:sld xmlns:a="http://schemas.openxmlformats.org/drawingml/2006/main" xmlns:r="http://schemas.openxmlformats.org/officeDocument/2006/relationships" xmlns:p="http://schemas.openxmlformats.org/presentationml/2006/main">
+  <p:cSld>
+    <p:spTree>
+      <p:nvGrpSpPr>
+        <p:cNvPr id="1" name=""/>
+        <p:cNvGrpSpPr/>
+        <p:nvPr/>
+      </p:nvGrpSpPr>
+      <p:grpSpPr>
+        <a:xfrm>
+          <a:off x="0" y="0"/>
+          <a:ext cx="0" cy="0"/>
+          <a:chOff x="0" y="0"/>
+          <a:chExt cx="0" cy="0"/>
+        </a:xfrm>
+      </p:grpSpPr>
+      <p:sp>
+        <p:nvSpPr>
+          <p:cNvPr id="2" name="TextBox 1">
+            <a:extLst>
+              <a:ext uri="{FF2B5EF4-FFF2-40B4-BE49-F238E27FC236}">
+                <a16:creationId xmlns:a16="http://schemas.microsoft.com/office/drawing/2014/main" id="{18AAEF39-F4B2-A175-38F8-09CEF6C690BB}"/>
+              </a:ext>
+            </a:extLst>
+          </p:cNvPr>
+          <p:cNvSpPr txBox="1"/>
+          <p:nvPr/>
+        </p:nvSpPr>
+        <p:spPr>
+          <a:xfrm>
+            <a:off x="1147313" y="828288"/>
+            <a:ext cx="8246853" cy="5201424"/>
+          </a:xfrm>
+          <a:prstGeom prst="rect">
+            <a:avLst/>
+          </a:prstGeom>
+          <a:noFill/>
+        </p:spPr>
+        <p:txBody>
+          <a:bodyPr wrap="square" rtlCol="0">
+            <a:spAutoFit/>
+          </a:bodyPr>
+          <a:lstStyle/>
+          <a:p>
+            <a:r>
+              <a:rPr lang="en-US" sz="4400" dirty="0"/>
+              <a:t>ANALYSIS :</a:t>
+            </a:r>
+          </a:p>
+          <a:p>
+            <a:endParaRPr lang="en-US" dirty="0"/>
+          </a:p>
+          <a:p>
+            <a:r>
+              <a:rPr lang="en-US" dirty="0"/>
+              <a:t>Stress Reduction through Activity: Tech workers and those in sedentary roles can benefit greatly from increasing their physical activity levels. The filtered dataset helps focus on these roles, where physical activity may not only improve physical health but also significantly reduce stress.</a:t>
+            </a:r>
+          </a:p>
+          <a:p>
+            <a:endParaRPr lang="en-US" dirty="0"/>
+          </a:p>
+          <a:p>
+            <a:r>
+              <a:rPr lang="en-US" dirty="0"/>
+              <a:t>Better Sleep through Steps: As most of the remaining occupations (software engineers, engineers) involve long hours of sitting, the data shows that adding physical activity (e.g., through walking) has a positive impact on sleep quality. Better sleep leads to improved overall mental health, reduced anxiety, and greater work productivity.</a:t>
+            </a:r>
+          </a:p>
+          <a:p>
+            <a:endParaRPr lang="en-US" dirty="0"/>
+          </a:p>
+          <a:p>
+            <a:r>
+              <a:rPr lang="en-US" dirty="0"/>
+              <a:t>In summary, the filtered dataset supports the same trends but allows for clearer analysis by focusing on tech-related occupations. Increased physical activity continues to demonstrate a strong correlation with lower stress and improved sleep, especially in roles that are predominantly sedentary.</a:t>
+            </a:r>
+          </a:p>
+          <a:p>
+            <a:endParaRPr lang="en-US" dirty="0"/>
+          </a:p>
+        </p:txBody>
+      </p:sp>
+    </p:spTree>
+    <p:extLst>
+      <p:ext uri="{BB962C8B-B14F-4D97-AF65-F5344CB8AC3E}">
+        <p14:creationId xmlns:p14="http://schemas.microsoft.com/office/powerpoint/2010/main" val="926221778"/>
+      </p:ext>
+    </p:extLst>
+  </p:cSld>
+  <p:clrMapOvr>
+    <a:masterClrMapping/>
+  </p:clrMapOvr>
+</p:sld>
+</file>
+
 <file path=ppt/slides/slide2.xml><?xml version="1.0" encoding="utf-8"?>
 <p:sld xmlns:a="http://schemas.openxmlformats.org/drawingml/2006/main" xmlns:r="http://schemas.openxmlformats.org/officeDocument/2006/relationships" xmlns:p="http://schemas.openxmlformats.org/presentationml/2006/main">
   <p:cSld>
@@ -12731,7 +13097,7 @@
               </a:ln>
               <a:extLst>
                 <a:ext uri="{91240B29-F687-4f45-9708-019B960494DF}">
-                  <a14:hiddenLine xmlns="" xmlns:a16="http://schemas.microsoft.com/office/drawing/2014/main" xmlns:p14="http://schemas.microsoft.com/office/powerpoint/2010/main" xmlns:a14="http://schemas.microsoft.com/office/drawing/2010/main" w="9525">
+                  <a14:hiddenLine xmlns:a14="http://schemas.microsoft.com/office/drawing/2010/main" xmlns:p14="http://schemas.microsoft.com/office/powerpoint/2010/main" xmlns:a16="http://schemas.microsoft.com/office/drawing/2014/main" xmlns="" w="9525">
                     <a:solidFill>
                       <a:srgbClr val="000000"/>
                     </a:solidFill>
@@ -12742,6 +13108,13 @@
                 </a:ext>
               </a:extLst>
             </p:spPr>
+            <p:txBody>
+              <a:bodyPr/>
+              <a:lstStyle/>
+              <a:p>
+                <a:endParaRPr lang="en-US"/>
+              </a:p>
+            </p:txBody>
           </p:sp>
           <p:sp>
             <p:nvSpPr>
@@ -12836,7 +13209,7 @@
               </a:ln>
               <a:extLst>
                 <a:ext uri="{91240B29-F687-4f45-9708-019B960494DF}">
-                  <a14:hiddenLine xmlns="" xmlns:a16="http://schemas.microsoft.com/office/drawing/2014/main" xmlns:p14="http://schemas.microsoft.com/office/powerpoint/2010/main" xmlns:a14="http://schemas.microsoft.com/office/drawing/2010/main" w="9525">
+                  <a14:hiddenLine xmlns:a14="http://schemas.microsoft.com/office/drawing/2010/main" xmlns:p14="http://schemas.microsoft.com/office/powerpoint/2010/main" xmlns:a16="http://schemas.microsoft.com/office/drawing/2014/main" xmlns="" w="9525">
                     <a:solidFill>
                       <a:srgbClr val="000000"/>
                     </a:solidFill>
@@ -12847,6 +13220,13 @@
                 </a:ext>
               </a:extLst>
             </p:spPr>
+            <p:txBody>
+              <a:bodyPr/>
+              <a:lstStyle/>
+              <a:p>
+                <a:endParaRPr lang="en-US"/>
+              </a:p>
+            </p:txBody>
           </p:sp>
           <p:sp>
             <p:nvSpPr>
@@ -12941,7 +13321,7 @@
               </a:ln>
               <a:extLst>
                 <a:ext uri="{91240B29-F687-4f45-9708-019B960494DF}">
-                  <a14:hiddenLine xmlns="" xmlns:a16="http://schemas.microsoft.com/office/drawing/2014/main" xmlns:p14="http://schemas.microsoft.com/office/powerpoint/2010/main" xmlns:a14="http://schemas.microsoft.com/office/drawing/2010/main" w="9525">
+                  <a14:hiddenLine xmlns:a14="http://schemas.microsoft.com/office/drawing/2010/main" xmlns:p14="http://schemas.microsoft.com/office/powerpoint/2010/main" xmlns:a16="http://schemas.microsoft.com/office/drawing/2014/main" xmlns="" w="9525">
                     <a:solidFill>
                       <a:srgbClr val="000000"/>
                     </a:solidFill>
@@ -12952,6 +13332,13 @@
                 </a:ext>
               </a:extLst>
             </p:spPr>
+            <p:txBody>
+              <a:bodyPr/>
+              <a:lstStyle/>
+              <a:p>
+                <a:endParaRPr lang="en-US"/>
+              </a:p>
+            </p:txBody>
           </p:sp>
           <p:sp>
             <p:nvSpPr>
@@ -13018,7 +13405,7 @@
               </a:ln>
               <a:extLst>
                 <a:ext uri="{91240B29-F687-4f45-9708-019B960494DF}">
-                  <a14:hiddenLine xmlns="" xmlns:a16="http://schemas.microsoft.com/office/drawing/2014/main" xmlns:p14="http://schemas.microsoft.com/office/powerpoint/2010/main" xmlns:a14="http://schemas.microsoft.com/office/drawing/2010/main" w="9525">
+                  <a14:hiddenLine xmlns:a14="http://schemas.microsoft.com/office/drawing/2010/main" xmlns:p14="http://schemas.microsoft.com/office/powerpoint/2010/main" xmlns:a16="http://schemas.microsoft.com/office/drawing/2014/main" xmlns="" w="9525">
                     <a:solidFill>
                       <a:srgbClr val="000000"/>
                     </a:solidFill>
@@ -13029,6 +13416,13 @@
                 </a:ext>
               </a:extLst>
             </p:spPr>
+            <p:txBody>
+              <a:bodyPr/>
+              <a:lstStyle/>
+              <a:p>
+                <a:endParaRPr lang="en-US"/>
+              </a:p>
+            </p:txBody>
           </p:sp>
           <p:sp>
             <p:nvSpPr>
@@ -13123,7 +13517,7 @@
               </a:ln>
               <a:extLst>
                 <a:ext uri="{91240B29-F687-4f45-9708-019B960494DF}">
-                  <a14:hiddenLine xmlns="" xmlns:a16="http://schemas.microsoft.com/office/drawing/2014/main" xmlns:p14="http://schemas.microsoft.com/office/powerpoint/2010/main" xmlns:a14="http://schemas.microsoft.com/office/drawing/2010/main" w="9525">
+                  <a14:hiddenLine xmlns:a14="http://schemas.microsoft.com/office/drawing/2010/main" xmlns:p14="http://schemas.microsoft.com/office/powerpoint/2010/main" xmlns:a16="http://schemas.microsoft.com/office/drawing/2014/main" xmlns="" w="9525">
                     <a:solidFill>
                       <a:srgbClr val="000000"/>
                     </a:solidFill>
@@ -13134,6 +13528,13 @@
                 </a:ext>
               </a:extLst>
             </p:spPr>
+            <p:txBody>
+              <a:bodyPr/>
+              <a:lstStyle/>
+              <a:p>
+                <a:endParaRPr lang="en-US"/>
+              </a:p>
+            </p:txBody>
           </p:sp>
           <p:sp>
             <p:nvSpPr>
@@ -13200,7 +13601,7 @@
               </a:ln>
               <a:extLst>
                 <a:ext uri="{91240B29-F687-4f45-9708-019B960494DF}">
-                  <a14:hiddenLine xmlns="" xmlns:a16="http://schemas.microsoft.com/office/drawing/2014/main" xmlns:p14="http://schemas.microsoft.com/office/powerpoint/2010/main" xmlns:a14="http://schemas.microsoft.com/office/drawing/2010/main" w="9525">
+                  <a14:hiddenLine xmlns:a14="http://schemas.microsoft.com/office/drawing/2010/main" xmlns:p14="http://schemas.microsoft.com/office/powerpoint/2010/main" xmlns:a16="http://schemas.microsoft.com/office/drawing/2014/main" xmlns="" w="9525">
                     <a:solidFill>
                       <a:srgbClr val="000000"/>
                     </a:solidFill>
@@ -13211,6 +13612,13 @@
                 </a:ext>
               </a:extLst>
             </p:spPr>
+            <p:txBody>
+              <a:bodyPr/>
+              <a:lstStyle/>
+              <a:p>
+                <a:endParaRPr lang="en-US"/>
+              </a:p>
+            </p:txBody>
           </p:sp>
           <p:sp>
             <p:nvSpPr>
@@ -13277,7 +13685,7 @@
               </a:ln>
               <a:extLst>
                 <a:ext uri="{91240B29-F687-4f45-9708-019B960494DF}">
-                  <a14:hiddenLine xmlns="" xmlns:a16="http://schemas.microsoft.com/office/drawing/2014/main" xmlns:p14="http://schemas.microsoft.com/office/powerpoint/2010/main" xmlns:a14="http://schemas.microsoft.com/office/drawing/2010/main" w="9525">
+                  <a14:hiddenLine xmlns:a14="http://schemas.microsoft.com/office/drawing/2010/main" xmlns:p14="http://schemas.microsoft.com/office/powerpoint/2010/main" xmlns:a16="http://schemas.microsoft.com/office/drawing/2014/main" xmlns="" w="9525">
                     <a:solidFill>
                       <a:srgbClr val="000000"/>
                     </a:solidFill>
@@ -13288,6 +13696,13 @@
                 </a:ext>
               </a:extLst>
             </p:spPr>
+            <p:txBody>
+              <a:bodyPr/>
+              <a:lstStyle/>
+              <a:p>
+                <a:endParaRPr lang="en-US"/>
+              </a:p>
+            </p:txBody>
           </p:sp>
           <p:sp>
             <p:nvSpPr>
@@ -13382,7 +13797,7 @@
               </a:ln>
               <a:extLst>
                 <a:ext uri="{91240B29-F687-4f45-9708-019B960494DF}">
-                  <a14:hiddenLine xmlns="" xmlns:a16="http://schemas.microsoft.com/office/drawing/2014/main" xmlns:p14="http://schemas.microsoft.com/office/powerpoint/2010/main" xmlns:a14="http://schemas.microsoft.com/office/drawing/2010/main" w="9525">
+                  <a14:hiddenLine xmlns:a14="http://schemas.microsoft.com/office/drawing/2010/main" xmlns:p14="http://schemas.microsoft.com/office/powerpoint/2010/main" xmlns:a16="http://schemas.microsoft.com/office/drawing/2014/main" xmlns="" w="9525">
                     <a:solidFill>
                       <a:srgbClr val="000000"/>
                     </a:solidFill>
@@ -13393,6 +13808,13 @@
                 </a:ext>
               </a:extLst>
             </p:spPr>
+            <p:txBody>
+              <a:bodyPr/>
+              <a:lstStyle/>
+              <a:p>
+                <a:endParaRPr lang="en-US"/>
+              </a:p>
+            </p:txBody>
           </p:sp>
           <p:sp>
             <p:nvSpPr>
@@ -13487,7 +13909,7 @@
               </a:ln>
               <a:extLst>
                 <a:ext uri="{91240B29-F687-4f45-9708-019B960494DF}">
-                  <a14:hiddenLine xmlns="" xmlns:a16="http://schemas.microsoft.com/office/drawing/2014/main" xmlns:p14="http://schemas.microsoft.com/office/powerpoint/2010/main" xmlns:a14="http://schemas.microsoft.com/office/drawing/2010/main" w="9525">
+                  <a14:hiddenLine xmlns:a14="http://schemas.microsoft.com/office/drawing/2010/main" xmlns:p14="http://schemas.microsoft.com/office/powerpoint/2010/main" xmlns:a16="http://schemas.microsoft.com/office/drawing/2014/main" xmlns="" w="9525">
                     <a:solidFill>
                       <a:srgbClr val="000000"/>
                     </a:solidFill>
@@ -13498,6 +13920,13 @@
                 </a:ext>
               </a:extLst>
             </p:spPr>
+            <p:txBody>
+              <a:bodyPr/>
+              <a:lstStyle/>
+              <a:p>
+                <a:endParaRPr lang="en-US"/>
+              </a:p>
+            </p:txBody>
           </p:sp>
           <p:sp>
             <p:nvSpPr>
@@ -13564,7 +13993,7 @@
               </a:ln>
               <a:extLst>
                 <a:ext uri="{91240B29-F687-4f45-9708-019B960494DF}">
-                  <a14:hiddenLine xmlns="" xmlns:a16="http://schemas.microsoft.com/office/drawing/2014/main" xmlns:p14="http://schemas.microsoft.com/office/powerpoint/2010/main" xmlns:a14="http://schemas.microsoft.com/office/drawing/2010/main" w="9525">
+                  <a14:hiddenLine xmlns:a14="http://schemas.microsoft.com/office/drawing/2010/main" xmlns:p14="http://schemas.microsoft.com/office/powerpoint/2010/main" xmlns:a16="http://schemas.microsoft.com/office/drawing/2014/main" xmlns="" w="9525">
                     <a:solidFill>
                       <a:srgbClr val="000000"/>
                     </a:solidFill>
@@ -13575,6 +14004,13 @@
                 </a:ext>
               </a:extLst>
             </p:spPr>
+            <p:txBody>
+              <a:bodyPr/>
+              <a:lstStyle/>
+              <a:p>
+                <a:endParaRPr lang="en-US"/>
+              </a:p>
+            </p:txBody>
           </p:sp>
           <p:sp>
             <p:nvSpPr>
@@ -13689,7 +14125,7 @@
               </a:ln>
               <a:extLst>
                 <a:ext uri="{91240B29-F687-4f45-9708-019B960494DF}">
-                  <a14:hiddenLine xmlns="" xmlns:a16="http://schemas.microsoft.com/office/drawing/2014/main" xmlns:p14="http://schemas.microsoft.com/office/powerpoint/2010/main" xmlns:a14="http://schemas.microsoft.com/office/drawing/2010/main" w="9525">
+                  <a14:hiddenLine xmlns:a14="http://schemas.microsoft.com/office/drawing/2010/main" xmlns:p14="http://schemas.microsoft.com/office/powerpoint/2010/main" xmlns:a16="http://schemas.microsoft.com/office/drawing/2014/main" xmlns="" w="9525">
                     <a:solidFill>
                       <a:srgbClr val="000000"/>
                     </a:solidFill>
@@ -13700,6 +14136,13 @@
                 </a:ext>
               </a:extLst>
             </p:spPr>
+            <p:txBody>
+              <a:bodyPr/>
+              <a:lstStyle/>
+              <a:p>
+                <a:endParaRPr lang="en-US"/>
+              </a:p>
+            </p:txBody>
           </p:sp>
           <p:sp>
             <p:nvSpPr>
@@ -13743,6 +14186,13 @@
                 <a:tailEnd/>
               </a:ln>
             </p:spPr>
+            <p:txBody>
+              <a:bodyPr/>
+              <a:lstStyle/>
+              <a:p>
+                <a:endParaRPr lang="en-US"/>
+              </a:p>
+            </p:txBody>
           </p:sp>
           <p:sp>
             <p:nvSpPr>
@@ -13803,7 +14253,7 @@
               </a:ln>
               <a:extLst>
                 <a:ext uri="{91240B29-F687-4f45-9708-019B960494DF}">
-                  <a14:hiddenLine xmlns="" xmlns:a16="http://schemas.microsoft.com/office/drawing/2014/main" xmlns:p14="http://schemas.microsoft.com/office/powerpoint/2010/main" xmlns:a14="http://schemas.microsoft.com/office/drawing/2010/main" w="9525">
+                  <a14:hiddenLine xmlns:a14="http://schemas.microsoft.com/office/drawing/2010/main" xmlns:p14="http://schemas.microsoft.com/office/powerpoint/2010/main" xmlns:a16="http://schemas.microsoft.com/office/drawing/2014/main" xmlns="" w="9525">
                     <a:solidFill>
                       <a:srgbClr val="000000"/>
                     </a:solidFill>
@@ -13814,6 +14264,13 @@
                 </a:ext>
               </a:extLst>
             </p:spPr>
+            <p:txBody>
+              <a:bodyPr/>
+              <a:lstStyle/>
+              <a:p>
+                <a:endParaRPr lang="en-US"/>
+              </a:p>
+            </p:txBody>
           </p:sp>
           <p:sp>
             <p:nvSpPr>
@@ -13880,7 +14337,7 @@
               </a:ln>
               <a:extLst>
                 <a:ext uri="{91240B29-F687-4f45-9708-019B960494DF}">
-                  <a14:hiddenLine xmlns="" xmlns:a16="http://schemas.microsoft.com/office/drawing/2014/main" xmlns:p14="http://schemas.microsoft.com/office/powerpoint/2010/main" xmlns:a14="http://schemas.microsoft.com/office/drawing/2010/main" w="9525">
+                  <a14:hiddenLine xmlns:a14="http://schemas.microsoft.com/office/drawing/2010/main" xmlns:p14="http://schemas.microsoft.com/office/powerpoint/2010/main" xmlns:a16="http://schemas.microsoft.com/office/drawing/2014/main" xmlns="" w="9525">
                     <a:solidFill>
                       <a:srgbClr val="000000"/>
                     </a:solidFill>
@@ -13891,6 +14348,13 @@
                 </a:ext>
               </a:extLst>
             </p:spPr>
+            <p:txBody>
+              <a:bodyPr/>
+              <a:lstStyle/>
+              <a:p>
+                <a:endParaRPr lang="en-US"/>
+              </a:p>
+            </p:txBody>
           </p:sp>
           <p:sp>
             <p:nvSpPr>
@@ -13957,7 +14421,7 @@
               </a:ln>
               <a:extLst>
                 <a:ext uri="{91240B29-F687-4f45-9708-019B960494DF}">
-                  <a14:hiddenLine xmlns="" xmlns:a16="http://schemas.microsoft.com/office/drawing/2014/main" xmlns:p14="http://schemas.microsoft.com/office/powerpoint/2010/main" xmlns:a14="http://schemas.microsoft.com/office/drawing/2010/main" w="9525">
+                  <a14:hiddenLine xmlns:a14="http://schemas.microsoft.com/office/drawing/2010/main" xmlns:p14="http://schemas.microsoft.com/office/powerpoint/2010/main" xmlns:a16="http://schemas.microsoft.com/office/drawing/2014/main" xmlns="" w="9525">
                     <a:solidFill>
                       <a:srgbClr val="000000"/>
                     </a:solidFill>
@@ -13968,6 +14432,13 @@
                 </a:ext>
               </a:extLst>
             </p:spPr>
+            <p:txBody>
+              <a:bodyPr/>
+              <a:lstStyle/>
+              <a:p>
+                <a:endParaRPr lang="en-US"/>
+              </a:p>
+            </p:txBody>
           </p:sp>
           <p:sp>
             <p:nvSpPr>
@@ -14062,7 +14533,7 @@
               </a:ln>
               <a:extLst>
                 <a:ext uri="{91240B29-F687-4f45-9708-019B960494DF}">
-                  <a14:hiddenLine xmlns="" xmlns:a16="http://schemas.microsoft.com/office/drawing/2014/main" xmlns:p14="http://schemas.microsoft.com/office/powerpoint/2010/main" xmlns:a14="http://schemas.microsoft.com/office/drawing/2010/main" w="9525">
+                  <a14:hiddenLine xmlns:a14="http://schemas.microsoft.com/office/drawing/2010/main" xmlns:p14="http://schemas.microsoft.com/office/powerpoint/2010/main" xmlns:a16="http://schemas.microsoft.com/office/drawing/2014/main" xmlns="" w="9525">
                     <a:solidFill>
                       <a:srgbClr val="000000"/>
                     </a:solidFill>
@@ -14073,6 +14544,13 @@
                 </a:ext>
               </a:extLst>
             </p:spPr>
+            <p:txBody>
+              <a:bodyPr/>
+              <a:lstStyle/>
+              <a:p>
+                <a:endParaRPr lang="en-US"/>
+              </a:p>
+            </p:txBody>
           </p:sp>
           <p:sp>
             <p:nvSpPr>
@@ -14111,7 +14589,7 @@
               </a:ln>
               <a:extLst>
                 <a:ext uri="{91240B29-F687-4f45-9708-019B960494DF}">
-                  <a14:hiddenLine xmlns="" xmlns:a16="http://schemas.microsoft.com/office/drawing/2014/main" xmlns:p14="http://schemas.microsoft.com/office/powerpoint/2010/main" xmlns:a14="http://schemas.microsoft.com/office/drawing/2010/main" w="9525">
+                  <a14:hiddenLine xmlns:a14="http://schemas.microsoft.com/office/drawing/2010/main" xmlns:p14="http://schemas.microsoft.com/office/powerpoint/2010/main" xmlns:a16="http://schemas.microsoft.com/office/drawing/2014/main" xmlns="" w="9525">
                     <a:solidFill>
                       <a:srgbClr val="000000"/>
                     </a:solidFill>
@@ -14122,6 +14600,13 @@
                 </a:ext>
               </a:extLst>
             </p:spPr>
+            <p:txBody>
+              <a:bodyPr/>
+              <a:lstStyle/>
+              <a:p>
+                <a:endParaRPr lang="en-US"/>
+              </a:p>
+            </p:txBody>
           </p:sp>
           <p:sp>
             <p:nvSpPr>
@@ -14191,7 +14676,7 @@
               </a:ln>
               <a:extLst>
                 <a:ext uri="{91240B29-F687-4f45-9708-019B960494DF}">
-                  <a14:hiddenLine xmlns="" xmlns:a16="http://schemas.microsoft.com/office/drawing/2014/main" xmlns:p14="http://schemas.microsoft.com/office/powerpoint/2010/main" xmlns:a14="http://schemas.microsoft.com/office/drawing/2010/main" w="9525">
+                  <a14:hiddenLine xmlns:a14="http://schemas.microsoft.com/office/drawing/2010/main" xmlns:p14="http://schemas.microsoft.com/office/powerpoint/2010/main" xmlns:a16="http://schemas.microsoft.com/office/drawing/2014/main" xmlns="" w="9525">
                     <a:solidFill>
                       <a:srgbClr val="000000"/>
                     </a:solidFill>
@@ -14202,6 +14687,13 @@
                 </a:ext>
               </a:extLst>
             </p:spPr>
+            <p:txBody>
+              <a:bodyPr/>
+              <a:lstStyle/>
+              <a:p>
+                <a:endParaRPr lang="en-US"/>
+              </a:p>
+            </p:txBody>
           </p:sp>
           <p:sp>
             <p:nvSpPr>
@@ -14296,7 +14788,7 @@
               </a:ln>
               <a:extLst>
                 <a:ext uri="{91240B29-F687-4f45-9708-019B960494DF}">
-                  <a14:hiddenLine xmlns="" xmlns:a16="http://schemas.microsoft.com/office/drawing/2014/main" xmlns:p14="http://schemas.microsoft.com/office/powerpoint/2010/main" xmlns:a14="http://schemas.microsoft.com/office/drawing/2010/main" w="9525">
+                  <a14:hiddenLine xmlns:a14="http://schemas.microsoft.com/office/drawing/2010/main" xmlns:p14="http://schemas.microsoft.com/office/powerpoint/2010/main" xmlns:a16="http://schemas.microsoft.com/office/drawing/2014/main" xmlns="" w="9525">
                     <a:solidFill>
                       <a:srgbClr val="000000"/>
                     </a:solidFill>
@@ -14307,6 +14799,13 @@
                 </a:ext>
               </a:extLst>
             </p:spPr>
+            <p:txBody>
+              <a:bodyPr/>
+              <a:lstStyle/>
+              <a:p>
+                <a:endParaRPr lang="en-US"/>
+              </a:p>
+            </p:txBody>
           </p:sp>
           <p:sp>
             <p:nvSpPr>
@@ -14373,7 +14872,7 @@
               </a:ln>
               <a:extLst>
                 <a:ext uri="{91240B29-F687-4f45-9708-019B960494DF}">
-                  <a14:hiddenLine xmlns="" xmlns:a16="http://schemas.microsoft.com/office/drawing/2014/main" xmlns:p14="http://schemas.microsoft.com/office/powerpoint/2010/main" xmlns:a14="http://schemas.microsoft.com/office/drawing/2010/main" w="9525">
+                  <a14:hiddenLine xmlns:a14="http://schemas.microsoft.com/office/drawing/2010/main" xmlns:p14="http://schemas.microsoft.com/office/powerpoint/2010/main" xmlns:a16="http://schemas.microsoft.com/office/drawing/2014/main" xmlns="" w="9525">
                     <a:solidFill>
                       <a:srgbClr val="000000"/>
                     </a:solidFill>
@@ -14384,6 +14883,13 @@
                 </a:ext>
               </a:extLst>
             </p:spPr>
+            <p:txBody>
+              <a:bodyPr/>
+              <a:lstStyle/>
+              <a:p>
+                <a:endParaRPr lang="en-US"/>
+              </a:p>
+            </p:txBody>
           </p:sp>
           <p:sp>
             <p:nvSpPr>
@@ -14478,7 +14984,7 @@
               </a:ln>
               <a:extLst>
                 <a:ext uri="{91240B29-F687-4f45-9708-019B960494DF}">
-                  <a14:hiddenLine xmlns="" xmlns:a16="http://schemas.microsoft.com/office/drawing/2014/main" xmlns:p14="http://schemas.microsoft.com/office/powerpoint/2010/main" xmlns:a14="http://schemas.microsoft.com/office/drawing/2010/main" w="9525">
+                  <a14:hiddenLine xmlns:a14="http://schemas.microsoft.com/office/drawing/2010/main" xmlns:p14="http://schemas.microsoft.com/office/powerpoint/2010/main" xmlns:a16="http://schemas.microsoft.com/office/drawing/2014/main" xmlns="" w="9525">
                     <a:solidFill>
                       <a:srgbClr val="000000"/>
                     </a:solidFill>
@@ -14489,6 +14995,13 @@
                 </a:ext>
               </a:extLst>
             </p:spPr>
+            <p:txBody>
+              <a:bodyPr/>
+              <a:lstStyle/>
+              <a:p>
+                <a:endParaRPr lang="en-US"/>
+              </a:p>
+            </p:txBody>
           </p:sp>
           <p:sp>
             <p:nvSpPr>
@@ -14558,7 +15071,7 @@
               </a:ln>
               <a:extLst>
                 <a:ext uri="{91240B29-F687-4f45-9708-019B960494DF}">
-                  <a14:hiddenLine xmlns="" xmlns:a16="http://schemas.microsoft.com/office/drawing/2014/main" xmlns:p14="http://schemas.microsoft.com/office/powerpoint/2010/main" xmlns:a14="http://schemas.microsoft.com/office/drawing/2010/main" w="9525">
+                  <a14:hiddenLine xmlns:a14="http://schemas.microsoft.com/office/drawing/2010/main" xmlns:p14="http://schemas.microsoft.com/office/powerpoint/2010/main" xmlns:a16="http://schemas.microsoft.com/office/drawing/2014/main" xmlns="" w="9525">
                     <a:solidFill>
                       <a:srgbClr val="000000"/>
                     </a:solidFill>
@@ -14569,6 +15082,13 @@
                 </a:ext>
               </a:extLst>
             </p:spPr>
+            <p:txBody>
+              <a:bodyPr/>
+              <a:lstStyle/>
+              <a:p>
+                <a:endParaRPr lang="en-US"/>
+              </a:p>
+            </p:txBody>
           </p:sp>
           <p:sp>
             <p:nvSpPr>
@@ -14635,7 +15155,7 @@
               </a:ln>
               <a:extLst>
                 <a:ext uri="{91240B29-F687-4f45-9708-019B960494DF}">
-                  <a14:hiddenLine xmlns="" xmlns:a16="http://schemas.microsoft.com/office/drawing/2014/main" xmlns:p14="http://schemas.microsoft.com/office/powerpoint/2010/main" xmlns:a14="http://schemas.microsoft.com/office/drawing/2010/main" w="9525">
+                  <a14:hiddenLine xmlns:a14="http://schemas.microsoft.com/office/drawing/2010/main" xmlns:p14="http://schemas.microsoft.com/office/powerpoint/2010/main" xmlns:a16="http://schemas.microsoft.com/office/drawing/2014/main" xmlns="" w="9525">
                     <a:solidFill>
                       <a:srgbClr val="000000"/>
                     </a:solidFill>
@@ -14646,6 +15166,13 @@
                 </a:ext>
               </a:extLst>
             </p:spPr>
+            <p:txBody>
+              <a:bodyPr/>
+              <a:lstStyle/>
+              <a:p>
+                <a:endParaRPr lang="en-US"/>
+              </a:p>
+            </p:txBody>
           </p:sp>
           <p:sp>
             <p:nvSpPr>
@@ -14740,7 +15267,7 @@
               </a:ln>
               <a:extLst>
                 <a:ext uri="{91240B29-F687-4f45-9708-019B960494DF}">
-                  <a14:hiddenLine xmlns="" xmlns:a16="http://schemas.microsoft.com/office/drawing/2014/main" xmlns:p14="http://schemas.microsoft.com/office/powerpoint/2010/main" xmlns:a14="http://schemas.microsoft.com/office/drawing/2010/main" w="9525">
+                  <a14:hiddenLine xmlns:a14="http://schemas.microsoft.com/office/drawing/2010/main" xmlns:p14="http://schemas.microsoft.com/office/powerpoint/2010/main" xmlns:a16="http://schemas.microsoft.com/office/drawing/2014/main" xmlns="" w="9525">
                     <a:solidFill>
                       <a:srgbClr val="000000"/>
                     </a:solidFill>
@@ -14751,6 +15278,13 @@
                 </a:ext>
               </a:extLst>
             </p:spPr>
+            <p:txBody>
+              <a:bodyPr/>
+              <a:lstStyle/>
+              <a:p>
+                <a:endParaRPr lang="en-US"/>
+              </a:p>
+            </p:txBody>
           </p:sp>
           <p:sp>
             <p:nvSpPr>
@@ -14845,7 +15379,7 @@
               </a:ln>
               <a:extLst>
                 <a:ext uri="{91240B29-F687-4f45-9708-019B960494DF}">
-                  <a14:hiddenLine xmlns="" xmlns:a16="http://schemas.microsoft.com/office/drawing/2014/main" xmlns:p14="http://schemas.microsoft.com/office/powerpoint/2010/main" xmlns:a14="http://schemas.microsoft.com/office/drawing/2010/main" w="9525">
+                  <a14:hiddenLine xmlns:a14="http://schemas.microsoft.com/office/drawing/2010/main" xmlns:p14="http://schemas.microsoft.com/office/powerpoint/2010/main" xmlns:a16="http://schemas.microsoft.com/office/drawing/2014/main" xmlns="" w="9525">
                     <a:solidFill>
                       <a:srgbClr val="000000"/>
                     </a:solidFill>
@@ -14856,6 +15390,13 @@
                 </a:ext>
               </a:extLst>
             </p:spPr>
+            <p:txBody>
+              <a:bodyPr/>
+              <a:lstStyle/>
+              <a:p>
+                <a:endParaRPr lang="en-US"/>
+              </a:p>
+            </p:txBody>
           </p:sp>
           <p:sp>
             <p:nvSpPr>
@@ -14925,7 +15466,7 @@
               </a:ln>
               <a:extLst>
                 <a:ext uri="{91240B29-F687-4f45-9708-019B960494DF}">
-                  <a14:hiddenLine xmlns="" xmlns:a16="http://schemas.microsoft.com/office/drawing/2014/main" xmlns:p14="http://schemas.microsoft.com/office/powerpoint/2010/main" xmlns:a14="http://schemas.microsoft.com/office/drawing/2010/main" w="9525">
+                  <a14:hiddenLine xmlns:a14="http://schemas.microsoft.com/office/drawing/2010/main" xmlns:p14="http://schemas.microsoft.com/office/powerpoint/2010/main" xmlns:a16="http://schemas.microsoft.com/office/drawing/2014/main" xmlns="" w="9525">
                     <a:solidFill>
                       <a:srgbClr val="000000"/>
                     </a:solidFill>
@@ -14936,6 +15477,13 @@
                 </a:ext>
               </a:extLst>
             </p:spPr>
+            <p:txBody>
+              <a:bodyPr/>
+              <a:lstStyle/>
+              <a:p>
+                <a:endParaRPr lang="en-US"/>
+              </a:p>
+            </p:txBody>
           </p:sp>
           <p:sp>
             <p:nvSpPr>
@@ -15060,7 +15608,7 @@
               </a:ln>
               <a:extLst>
                 <a:ext uri="{91240B29-F687-4f45-9708-019B960494DF}">
-                  <a14:hiddenLine xmlns="" xmlns:a16="http://schemas.microsoft.com/office/drawing/2014/main" xmlns:p14="http://schemas.microsoft.com/office/powerpoint/2010/main" xmlns:a14="http://schemas.microsoft.com/office/drawing/2010/main" w="9525">
+                  <a14:hiddenLine xmlns:a14="http://schemas.microsoft.com/office/drawing/2010/main" xmlns:p14="http://schemas.microsoft.com/office/powerpoint/2010/main" xmlns:a16="http://schemas.microsoft.com/office/drawing/2014/main" xmlns="" w="9525">
                     <a:solidFill>
                       <a:srgbClr val="000000"/>
                     </a:solidFill>
@@ -15071,6 +15619,13 @@
                 </a:ext>
               </a:extLst>
             </p:spPr>
+            <p:txBody>
+              <a:bodyPr/>
+              <a:lstStyle/>
+              <a:p>
+                <a:endParaRPr lang="en-US"/>
+              </a:p>
+            </p:txBody>
           </p:sp>
         </p:grpSp>
         <p:grpSp>
@@ -15185,7 +15740,7 @@
               </a:ln>
               <a:extLst>
                 <a:ext uri="{91240B29-F687-4f45-9708-019B960494DF}">
-                  <a14:hiddenLine xmlns="" xmlns:a16="http://schemas.microsoft.com/office/drawing/2014/main" xmlns:p14="http://schemas.microsoft.com/office/powerpoint/2010/main" xmlns:a14="http://schemas.microsoft.com/office/drawing/2010/main" w="9525">
+                  <a14:hiddenLine xmlns:a14="http://schemas.microsoft.com/office/drawing/2010/main" xmlns:p14="http://schemas.microsoft.com/office/powerpoint/2010/main" xmlns:a16="http://schemas.microsoft.com/office/drawing/2014/main" xmlns="" w="9525">
                     <a:solidFill>
                       <a:srgbClr val="000000"/>
                     </a:solidFill>
@@ -15196,6 +15751,13 @@
                 </a:ext>
               </a:extLst>
             </p:spPr>
+            <p:txBody>
+              <a:bodyPr/>
+              <a:lstStyle/>
+              <a:p>
+                <a:endParaRPr lang="en-US"/>
+              </a:p>
+            </p:txBody>
           </p:sp>
           <p:sp>
             <p:nvSpPr>
@@ -15315,7 +15877,7 @@
               </a:ln>
               <a:extLst>
                 <a:ext uri="{91240B29-F687-4f45-9708-019B960494DF}">
-                  <a14:hiddenLine xmlns="" xmlns:a16="http://schemas.microsoft.com/office/drawing/2014/main" xmlns:p14="http://schemas.microsoft.com/office/powerpoint/2010/main" xmlns:a14="http://schemas.microsoft.com/office/drawing/2010/main" w="9525">
+                  <a14:hiddenLine xmlns:a14="http://schemas.microsoft.com/office/drawing/2010/main" xmlns:p14="http://schemas.microsoft.com/office/powerpoint/2010/main" xmlns:a16="http://schemas.microsoft.com/office/drawing/2014/main" xmlns="" w="9525">
                     <a:solidFill>
                       <a:srgbClr val="000000"/>
                     </a:solidFill>
@@ -15326,6 +15888,13 @@
                 </a:ext>
               </a:extLst>
             </p:spPr>
+            <p:txBody>
+              <a:bodyPr/>
+              <a:lstStyle/>
+              <a:p>
+                <a:endParaRPr lang="en-US"/>
+              </a:p>
+            </p:txBody>
           </p:sp>
           <p:sp>
             <p:nvSpPr>
@@ -15420,7 +15989,7 @@
               </a:ln>
               <a:extLst>
                 <a:ext uri="{91240B29-F687-4f45-9708-019B960494DF}">
-                  <a14:hiddenLine xmlns="" xmlns:a16="http://schemas.microsoft.com/office/drawing/2014/main" xmlns:p14="http://schemas.microsoft.com/office/powerpoint/2010/main" xmlns:a14="http://schemas.microsoft.com/office/drawing/2010/main" w="9525">
+                  <a14:hiddenLine xmlns:a14="http://schemas.microsoft.com/office/drawing/2010/main" xmlns:p14="http://schemas.microsoft.com/office/powerpoint/2010/main" xmlns:a16="http://schemas.microsoft.com/office/drawing/2014/main" xmlns="" w="9525">
                     <a:solidFill>
                       <a:srgbClr val="000000"/>
                     </a:solidFill>
@@ -15431,6 +16000,13 @@
                 </a:ext>
               </a:extLst>
             </p:spPr>
+            <p:txBody>
+              <a:bodyPr/>
+              <a:lstStyle/>
+              <a:p>
+                <a:endParaRPr lang="en-US"/>
+              </a:p>
+            </p:txBody>
           </p:sp>
           <p:sp>
             <p:nvSpPr>
@@ -15500,7 +16076,7 @@
               </a:ln>
               <a:extLst>
                 <a:ext uri="{91240B29-F687-4f45-9708-019B960494DF}">
-                  <a14:hiddenLine xmlns="" xmlns:a16="http://schemas.microsoft.com/office/drawing/2014/main" xmlns:p14="http://schemas.microsoft.com/office/powerpoint/2010/main" xmlns:a14="http://schemas.microsoft.com/office/drawing/2010/main" w="9525">
+                  <a14:hiddenLine xmlns:a14="http://schemas.microsoft.com/office/drawing/2010/main" xmlns:p14="http://schemas.microsoft.com/office/powerpoint/2010/main" xmlns:a16="http://schemas.microsoft.com/office/drawing/2014/main" xmlns="" w="9525">
                     <a:solidFill>
                       <a:srgbClr val="000000"/>
                     </a:solidFill>
@@ -15511,6 +16087,13 @@
                 </a:ext>
               </a:extLst>
             </p:spPr>
+            <p:txBody>
+              <a:bodyPr/>
+              <a:lstStyle/>
+              <a:p>
+                <a:endParaRPr lang="en-US"/>
+              </a:p>
+            </p:txBody>
           </p:sp>
           <p:sp>
             <p:nvSpPr>
@@ -15605,7 +16188,7 @@
               </a:ln>
               <a:extLst>
                 <a:ext uri="{91240B29-F687-4f45-9708-019B960494DF}">
-                  <a14:hiddenLine xmlns="" xmlns:a16="http://schemas.microsoft.com/office/drawing/2014/main" xmlns:p14="http://schemas.microsoft.com/office/powerpoint/2010/main" xmlns:a14="http://schemas.microsoft.com/office/drawing/2010/main" w="9525">
+                  <a14:hiddenLine xmlns:a14="http://schemas.microsoft.com/office/drawing/2010/main" xmlns:p14="http://schemas.microsoft.com/office/powerpoint/2010/main" xmlns:a16="http://schemas.microsoft.com/office/drawing/2014/main" xmlns="" w="9525">
                     <a:solidFill>
                       <a:srgbClr val="000000"/>
                     </a:solidFill>
@@ -15616,6 +16199,13 @@
                 </a:ext>
               </a:extLst>
             </p:spPr>
+            <p:txBody>
+              <a:bodyPr/>
+              <a:lstStyle/>
+              <a:p>
+                <a:endParaRPr lang="en-US"/>
+              </a:p>
+            </p:txBody>
           </p:sp>
           <p:sp>
             <p:nvSpPr>
@@ -15688,7 +16278,7 @@
               </a:ln>
               <a:extLst>
                 <a:ext uri="{91240B29-F687-4f45-9708-019B960494DF}">
-                  <a14:hiddenLine xmlns="" xmlns:a16="http://schemas.microsoft.com/office/drawing/2014/main" xmlns:p14="http://schemas.microsoft.com/office/powerpoint/2010/main" xmlns:a14="http://schemas.microsoft.com/office/drawing/2010/main" w="9525">
+                  <a14:hiddenLine xmlns:a14="http://schemas.microsoft.com/office/drawing/2010/main" xmlns:p14="http://schemas.microsoft.com/office/powerpoint/2010/main" xmlns:a16="http://schemas.microsoft.com/office/drawing/2014/main" xmlns="" w="9525">
                     <a:solidFill>
                       <a:srgbClr val="000000"/>
                     </a:solidFill>
@@ -15699,6 +16289,13 @@
                 </a:ext>
               </a:extLst>
             </p:spPr>
+            <p:txBody>
+              <a:bodyPr/>
+              <a:lstStyle/>
+              <a:p>
+                <a:endParaRPr lang="en-US"/>
+              </a:p>
+            </p:txBody>
           </p:sp>
           <p:sp>
             <p:nvSpPr>
@@ -15793,7 +16390,7 @@
               </a:ln>
               <a:extLst>
                 <a:ext uri="{91240B29-F687-4f45-9708-019B960494DF}">
-                  <a14:hiddenLine xmlns="" xmlns:a16="http://schemas.microsoft.com/office/drawing/2014/main" xmlns:p14="http://schemas.microsoft.com/office/powerpoint/2010/main" xmlns:a14="http://schemas.microsoft.com/office/drawing/2010/main" w="9525">
+                  <a14:hiddenLine xmlns:a14="http://schemas.microsoft.com/office/drawing/2010/main" xmlns:p14="http://schemas.microsoft.com/office/powerpoint/2010/main" xmlns:a16="http://schemas.microsoft.com/office/drawing/2014/main" xmlns="" w="9525">
                     <a:solidFill>
                       <a:srgbClr val="000000"/>
                     </a:solidFill>
@@ -15804,6 +16401,13 @@
                 </a:ext>
               </a:extLst>
             </p:spPr>
+            <p:txBody>
+              <a:bodyPr/>
+              <a:lstStyle/>
+              <a:p>
+                <a:endParaRPr lang="en-US"/>
+              </a:p>
+            </p:txBody>
           </p:sp>
           <p:sp>
             <p:nvSpPr>
@@ -15876,7 +16480,7 @@
               </a:ln>
               <a:extLst>
                 <a:ext uri="{91240B29-F687-4f45-9708-019B960494DF}">
-                  <a14:hiddenLine xmlns="" xmlns:a16="http://schemas.microsoft.com/office/drawing/2014/main" xmlns:p14="http://schemas.microsoft.com/office/powerpoint/2010/main" xmlns:a14="http://schemas.microsoft.com/office/drawing/2010/main" w="9525">
+                  <a14:hiddenLine xmlns:a14="http://schemas.microsoft.com/office/drawing/2010/main" xmlns:p14="http://schemas.microsoft.com/office/powerpoint/2010/main" xmlns:a16="http://schemas.microsoft.com/office/drawing/2014/main" xmlns="" w="9525">
                     <a:solidFill>
                       <a:srgbClr val="000000"/>
                     </a:solidFill>
@@ -15887,6 +16491,13 @@
                 </a:ext>
               </a:extLst>
             </p:spPr>
+            <p:txBody>
+              <a:bodyPr/>
+              <a:lstStyle/>
+              <a:p>
+                <a:endParaRPr lang="en-US"/>
+              </a:p>
+            </p:txBody>
           </p:sp>
           <p:sp>
             <p:nvSpPr>
@@ -15981,7 +16592,7 @@
               </a:ln>
               <a:extLst>
                 <a:ext uri="{91240B29-F687-4f45-9708-019B960494DF}">
-                  <a14:hiddenLine xmlns="" xmlns:a16="http://schemas.microsoft.com/office/drawing/2014/main" xmlns:p14="http://schemas.microsoft.com/office/powerpoint/2010/main" xmlns:a14="http://schemas.microsoft.com/office/drawing/2010/main" w="9525">
+                  <a14:hiddenLine xmlns:a14="http://schemas.microsoft.com/office/drawing/2010/main" xmlns:p14="http://schemas.microsoft.com/office/powerpoint/2010/main" xmlns:a16="http://schemas.microsoft.com/office/drawing/2014/main" xmlns="" w="9525">
                     <a:solidFill>
                       <a:srgbClr val="000000"/>
                     </a:solidFill>
@@ -15992,6 +16603,13 @@
                 </a:ext>
               </a:extLst>
             </p:spPr>
+            <p:txBody>
+              <a:bodyPr/>
+              <a:lstStyle/>
+              <a:p>
+                <a:endParaRPr lang="en-US"/>
+              </a:p>
+            </p:txBody>
           </p:sp>
           <p:sp>
             <p:nvSpPr>
@@ -16030,7 +16648,7 @@
               </a:ln>
               <a:extLst>
                 <a:ext uri="{91240B29-F687-4f45-9708-019B960494DF}">
-                  <a14:hiddenLine xmlns="" xmlns:a16="http://schemas.microsoft.com/office/drawing/2014/main" xmlns:p14="http://schemas.microsoft.com/office/powerpoint/2010/main" xmlns:a14="http://schemas.microsoft.com/office/drawing/2010/main" w="9525">
+                  <a14:hiddenLine xmlns:a14="http://schemas.microsoft.com/office/drawing/2010/main" xmlns:p14="http://schemas.microsoft.com/office/powerpoint/2010/main" xmlns:a16="http://schemas.microsoft.com/office/drawing/2014/main" xmlns="" w="9525">
                     <a:solidFill>
                       <a:srgbClr val="000000"/>
                     </a:solidFill>
@@ -16041,6 +16659,13 @@
                 </a:ext>
               </a:extLst>
             </p:spPr>
+            <p:txBody>
+              <a:bodyPr/>
+              <a:lstStyle/>
+              <a:p>
+                <a:endParaRPr lang="en-US"/>
+              </a:p>
+            </p:txBody>
           </p:sp>
         </p:grpSp>
       </p:grpSp>
@@ -16092,7 +16717,7 @@
           <a:noFill/>
           <a:extLst>
             <a:ext uri="{909E8E84-426E-40dd-AFC4-6F175D3DCCD1}">
-              <a14:hiddenFill xmlns="" xmlns:a16="http://schemas.microsoft.com/office/drawing/2014/main" xmlns:p14="http://schemas.microsoft.com/office/powerpoint/2010/main" xmlns:a14="http://schemas.microsoft.com/office/drawing/2010/main">
+              <a14:hiddenFill xmlns:a14="http://schemas.microsoft.com/office/drawing/2010/main" xmlns:p14="http://schemas.microsoft.com/office/powerpoint/2010/main" xmlns:a16="http://schemas.microsoft.com/office/drawing/2014/main" xmlns="">
                 <a:solidFill>
                   <a:srgbClr val="FFFFFF"/>
                 </a:solidFill>
@@ -16655,7 +17280,7 @@
           <a:noFill/>
           <a:extLst>
             <a:ext uri="{909E8E84-426E-40dd-AFC4-6F175D3DCCD1}">
-              <a14:hiddenFill xmlns="" xmlns:a16="http://schemas.microsoft.com/office/drawing/2014/main" xmlns:a14="http://schemas.microsoft.com/office/drawing/2010/main" xmlns:p14="http://schemas.microsoft.com/office/powerpoint/2010/main">
+              <a14:hiddenFill xmlns:p14="http://schemas.microsoft.com/office/powerpoint/2010/main" xmlns:a14="http://schemas.microsoft.com/office/drawing/2010/main" xmlns:a16="http://schemas.microsoft.com/office/drawing/2014/main" xmlns="">
                 <a:solidFill>
                   <a:srgbClr val="FFFFFF"/>
                 </a:solidFill>
@@ -16747,7 +17372,7 @@
             </a:ln>
             <a:extLst>
               <a:ext uri="{91240B29-F687-4f45-9708-019B960494DF}">
-                <a14:hiddenLine xmlns="" xmlns:a16="http://schemas.microsoft.com/office/drawing/2014/main" xmlns:a14="http://schemas.microsoft.com/office/drawing/2010/main" xmlns:p14="http://schemas.microsoft.com/office/powerpoint/2010/main" w="9525">
+                <a14:hiddenLine xmlns:p14="http://schemas.microsoft.com/office/powerpoint/2010/main" xmlns:a14="http://schemas.microsoft.com/office/drawing/2010/main" xmlns:a16="http://schemas.microsoft.com/office/drawing/2014/main" xmlns="" w="9525">
                   <a:solidFill>
                     <a:srgbClr val="000000"/>
                   </a:solidFill>
@@ -16758,6 +17383,13 @@
               </a:ext>
             </a:extLst>
           </p:spPr>
+          <p:txBody>
+            <a:bodyPr/>
+            <a:lstStyle/>
+            <a:p>
+              <a:endParaRPr lang="en-US"/>
+            </a:p>
+          </p:txBody>
         </p:sp>
         <p:sp>
           <p:nvSpPr>
@@ -16852,7 +17484,7 @@
             </a:ln>
             <a:extLst>
               <a:ext uri="{91240B29-F687-4f45-9708-019B960494DF}">
-                <a14:hiddenLine xmlns="" xmlns:a16="http://schemas.microsoft.com/office/drawing/2014/main" xmlns:a14="http://schemas.microsoft.com/office/drawing/2010/main" xmlns:p14="http://schemas.microsoft.com/office/powerpoint/2010/main" w="9525">
+                <a14:hiddenLine xmlns:p14="http://schemas.microsoft.com/office/powerpoint/2010/main" xmlns:a14="http://schemas.microsoft.com/office/drawing/2010/main" xmlns:a16="http://schemas.microsoft.com/office/drawing/2014/main" xmlns="" w="9525">
                   <a:solidFill>
                     <a:srgbClr val="000000"/>
                   </a:solidFill>
@@ -16863,6 +17495,13 @@
               </a:ext>
             </a:extLst>
           </p:spPr>
+          <p:txBody>
+            <a:bodyPr/>
+            <a:lstStyle/>
+            <a:p>
+              <a:endParaRPr lang="en-US"/>
+            </a:p>
+          </p:txBody>
         </p:sp>
         <p:sp>
           <p:nvSpPr>
@@ -16957,7 +17596,7 @@
             </a:ln>
             <a:extLst>
               <a:ext uri="{91240B29-F687-4f45-9708-019B960494DF}">
-                <a14:hiddenLine xmlns="" xmlns:a16="http://schemas.microsoft.com/office/drawing/2014/main" xmlns:a14="http://schemas.microsoft.com/office/drawing/2010/main" xmlns:p14="http://schemas.microsoft.com/office/powerpoint/2010/main" w="9525">
+                <a14:hiddenLine xmlns:p14="http://schemas.microsoft.com/office/powerpoint/2010/main" xmlns:a14="http://schemas.microsoft.com/office/drawing/2010/main" xmlns:a16="http://schemas.microsoft.com/office/drawing/2014/main" xmlns="" w="9525">
                   <a:solidFill>
                     <a:srgbClr val="000000"/>
                   </a:solidFill>
@@ -16968,6 +17607,13 @@
               </a:ext>
             </a:extLst>
           </p:spPr>
+          <p:txBody>
+            <a:bodyPr/>
+            <a:lstStyle/>
+            <a:p>
+              <a:endParaRPr lang="en-US"/>
+            </a:p>
+          </p:txBody>
         </p:sp>
         <p:sp>
           <p:nvSpPr>
@@ -17006,7 +17652,7 @@
             </a:ln>
             <a:extLst>
               <a:ext uri="{91240B29-F687-4f45-9708-019B960494DF}">
-                <a14:hiddenLine xmlns="" xmlns:a16="http://schemas.microsoft.com/office/drawing/2014/main" xmlns:a14="http://schemas.microsoft.com/office/drawing/2010/main" xmlns:p14="http://schemas.microsoft.com/office/powerpoint/2010/main" w="9525">
+                <a14:hiddenLine xmlns:p14="http://schemas.microsoft.com/office/powerpoint/2010/main" xmlns:a14="http://schemas.microsoft.com/office/drawing/2010/main" xmlns:a16="http://schemas.microsoft.com/office/drawing/2014/main" xmlns="" w="9525">
                   <a:solidFill>
                     <a:srgbClr val="000000"/>
                   </a:solidFill>
@@ -17017,6 +17663,13 @@
               </a:ext>
             </a:extLst>
           </p:spPr>
+          <p:txBody>
+            <a:bodyPr/>
+            <a:lstStyle/>
+            <a:p>
+              <a:endParaRPr lang="en-US"/>
+            </a:p>
+          </p:txBody>
         </p:sp>
         <p:sp>
           <p:nvSpPr>
@@ -17111,7 +17764,7 @@
             </a:ln>
             <a:extLst>
               <a:ext uri="{91240B29-F687-4f45-9708-019B960494DF}">
-                <a14:hiddenLine xmlns="" xmlns:a16="http://schemas.microsoft.com/office/drawing/2014/main" xmlns:a14="http://schemas.microsoft.com/office/drawing/2010/main" xmlns:p14="http://schemas.microsoft.com/office/powerpoint/2010/main" w="9525">
+                <a14:hiddenLine xmlns:p14="http://schemas.microsoft.com/office/powerpoint/2010/main" xmlns:a14="http://schemas.microsoft.com/office/drawing/2010/main" xmlns:a16="http://schemas.microsoft.com/office/drawing/2014/main" xmlns="" w="9525">
                   <a:solidFill>
                     <a:srgbClr val="000000"/>
                   </a:solidFill>
@@ -17122,6 +17775,13 @@
               </a:ext>
             </a:extLst>
           </p:spPr>
+          <p:txBody>
+            <a:bodyPr/>
+            <a:lstStyle/>
+            <a:p>
+              <a:endParaRPr lang="en-US"/>
+            </a:p>
+          </p:txBody>
         </p:sp>
         <p:sp>
           <p:nvSpPr>
@@ -17188,7 +17848,7 @@
             </a:ln>
             <a:extLst>
               <a:ext uri="{91240B29-F687-4f45-9708-019B960494DF}">
-                <a14:hiddenLine xmlns="" xmlns:a16="http://schemas.microsoft.com/office/drawing/2014/main" xmlns:a14="http://schemas.microsoft.com/office/drawing/2010/main" xmlns:p14="http://schemas.microsoft.com/office/powerpoint/2010/main" w="9525">
+                <a14:hiddenLine xmlns:p14="http://schemas.microsoft.com/office/powerpoint/2010/main" xmlns:a14="http://schemas.microsoft.com/office/drawing/2010/main" xmlns:a16="http://schemas.microsoft.com/office/drawing/2014/main" xmlns="" w="9525">
                   <a:solidFill>
                     <a:srgbClr val="000000"/>
                   </a:solidFill>
@@ -17199,6 +17859,13 @@
               </a:ext>
             </a:extLst>
           </p:spPr>
+          <p:txBody>
+            <a:bodyPr/>
+            <a:lstStyle/>
+            <a:p>
+              <a:endParaRPr lang="en-US"/>
+            </a:p>
+          </p:txBody>
         </p:sp>
         <p:sp>
           <p:nvSpPr>
@@ -17265,7 +17932,7 @@
             </a:ln>
             <a:extLst>
               <a:ext uri="{91240B29-F687-4f45-9708-019B960494DF}">
-                <a14:hiddenLine xmlns="" xmlns:a16="http://schemas.microsoft.com/office/drawing/2014/main" xmlns:a14="http://schemas.microsoft.com/office/drawing/2010/main" xmlns:p14="http://schemas.microsoft.com/office/powerpoint/2010/main" w="9525">
+                <a14:hiddenLine xmlns:p14="http://schemas.microsoft.com/office/powerpoint/2010/main" xmlns:a14="http://schemas.microsoft.com/office/drawing/2010/main" xmlns:a16="http://schemas.microsoft.com/office/drawing/2014/main" xmlns="" w="9525">
                   <a:solidFill>
                     <a:srgbClr val="000000"/>
                   </a:solidFill>
@@ -17276,6 +17943,13 @@
               </a:ext>
             </a:extLst>
           </p:spPr>
+          <p:txBody>
+            <a:bodyPr/>
+            <a:lstStyle/>
+            <a:p>
+              <a:endParaRPr lang="en-US"/>
+            </a:p>
+          </p:txBody>
         </p:sp>
         <p:sp>
           <p:nvSpPr>
@@ -17370,7 +18044,7 @@
             </a:ln>
             <a:extLst>
               <a:ext uri="{91240B29-F687-4f45-9708-019B960494DF}">
-                <a14:hiddenLine xmlns="" xmlns:a16="http://schemas.microsoft.com/office/drawing/2014/main" xmlns:a14="http://schemas.microsoft.com/office/drawing/2010/main" xmlns:p14="http://schemas.microsoft.com/office/powerpoint/2010/main" w="9525">
+                <a14:hiddenLine xmlns:p14="http://schemas.microsoft.com/office/powerpoint/2010/main" xmlns:a14="http://schemas.microsoft.com/office/drawing/2010/main" xmlns:a16="http://schemas.microsoft.com/office/drawing/2014/main" xmlns="" w="9525">
                   <a:solidFill>
                     <a:srgbClr val="000000"/>
                   </a:solidFill>
@@ -17381,6 +18055,13 @@
               </a:ext>
             </a:extLst>
           </p:spPr>
+          <p:txBody>
+            <a:bodyPr/>
+            <a:lstStyle/>
+            <a:p>
+              <a:endParaRPr lang="en-US"/>
+            </a:p>
+          </p:txBody>
         </p:sp>
         <p:sp>
           <p:nvSpPr>
@@ -17447,7 +18128,7 @@
             </a:ln>
             <a:extLst>
               <a:ext uri="{91240B29-F687-4f45-9708-019B960494DF}">
-                <a14:hiddenLine xmlns="" xmlns:a16="http://schemas.microsoft.com/office/drawing/2014/main" xmlns:a14="http://schemas.microsoft.com/office/drawing/2010/main" xmlns:p14="http://schemas.microsoft.com/office/powerpoint/2010/main" w="9525">
+                <a14:hiddenLine xmlns:p14="http://schemas.microsoft.com/office/powerpoint/2010/main" xmlns:a14="http://schemas.microsoft.com/office/drawing/2010/main" xmlns:a16="http://schemas.microsoft.com/office/drawing/2014/main" xmlns="" w="9525">
                   <a:solidFill>
                     <a:srgbClr val="000000"/>
                   </a:solidFill>
@@ -17458,6 +18139,13 @@
               </a:ext>
             </a:extLst>
           </p:spPr>
+          <p:txBody>
+            <a:bodyPr/>
+            <a:lstStyle/>
+            <a:p>
+              <a:endParaRPr lang="en-US"/>
+            </a:p>
+          </p:txBody>
         </p:sp>
         <p:sp>
           <p:nvSpPr>
@@ -17524,7 +18212,7 @@
             </a:ln>
             <a:extLst>
               <a:ext uri="{91240B29-F687-4f45-9708-019B960494DF}">
-                <a14:hiddenLine xmlns="" xmlns:a16="http://schemas.microsoft.com/office/drawing/2014/main" xmlns:a14="http://schemas.microsoft.com/office/drawing/2010/main" xmlns:p14="http://schemas.microsoft.com/office/powerpoint/2010/main" w="9525">
+                <a14:hiddenLine xmlns:p14="http://schemas.microsoft.com/office/powerpoint/2010/main" xmlns:a14="http://schemas.microsoft.com/office/drawing/2010/main" xmlns:a16="http://schemas.microsoft.com/office/drawing/2014/main" xmlns="" w="9525">
                   <a:solidFill>
                     <a:srgbClr val="000000"/>
                   </a:solidFill>
@@ -17535,6 +18223,13 @@
               </a:ext>
             </a:extLst>
           </p:spPr>
+          <p:txBody>
+            <a:bodyPr/>
+            <a:lstStyle/>
+            <a:p>
+              <a:endParaRPr lang="en-US"/>
+            </a:p>
+          </p:txBody>
         </p:sp>
         <p:sp>
           <p:nvSpPr>
@@ -17629,7 +18324,7 @@
             </a:ln>
             <a:extLst>
               <a:ext uri="{91240B29-F687-4f45-9708-019B960494DF}">
-                <a14:hiddenLine xmlns="" xmlns:a16="http://schemas.microsoft.com/office/drawing/2014/main" xmlns:a14="http://schemas.microsoft.com/office/drawing/2010/main" xmlns:p14="http://schemas.microsoft.com/office/powerpoint/2010/main" w="9525">
+                <a14:hiddenLine xmlns:p14="http://schemas.microsoft.com/office/powerpoint/2010/main" xmlns:a14="http://schemas.microsoft.com/office/drawing/2010/main" xmlns:a16="http://schemas.microsoft.com/office/drawing/2014/main" xmlns="" w="9525">
                   <a:solidFill>
                     <a:srgbClr val="000000"/>
                   </a:solidFill>
@@ -17640,6 +18335,13 @@
               </a:ext>
             </a:extLst>
           </p:spPr>
+          <p:txBody>
+            <a:bodyPr/>
+            <a:lstStyle/>
+            <a:p>
+              <a:endParaRPr lang="en-US"/>
+            </a:p>
+          </p:txBody>
         </p:sp>
         <p:sp>
           <p:nvSpPr>
@@ -17734,7 +18436,7 @@
             </a:ln>
             <a:extLst>
               <a:ext uri="{91240B29-F687-4f45-9708-019B960494DF}">
-                <a14:hiddenLine xmlns="" xmlns:a16="http://schemas.microsoft.com/office/drawing/2014/main" xmlns:a14="http://schemas.microsoft.com/office/drawing/2010/main" xmlns:p14="http://schemas.microsoft.com/office/powerpoint/2010/main" w="9525">
+                <a14:hiddenLine xmlns:p14="http://schemas.microsoft.com/office/powerpoint/2010/main" xmlns:a14="http://schemas.microsoft.com/office/drawing/2010/main" xmlns:a16="http://schemas.microsoft.com/office/drawing/2014/main" xmlns="" w="9525">
                   <a:solidFill>
                     <a:srgbClr val="000000"/>
                   </a:solidFill>
@@ -17745,6 +18447,13 @@
               </a:ext>
             </a:extLst>
           </p:spPr>
+          <p:txBody>
+            <a:bodyPr/>
+            <a:lstStyle/>
+            <a:p>
+              <a:endParaRPr lang="en-US"/>
+            </a:p>
+          </p:txBody>
         </p:sp>
         <p:sp>
           <p:nvSpPr>
@@ -17811,7 +18520,7 @@
             </a:ln>
             <a:extLst>
               <a:ext uri="{91240B29-F687-4f45-9708-019B960494DF}">
-                <a14:hiddenLine xmlns="" xmlns:a16="http://schemas.microsoft.com/office/drawing/2014/main" xmlns:a14="http://schemas.microsoft.com/office/drawing/2010/main" xmlns:p14="http://schemas.microsoft.com/office/powerpoint/2010/main" w="9525">
+                <a14:hiddenLine xmlns:p14="http://schemas.microsoft.com/office/powerpoint/2010/main" xmlns:a14="http://schemas.microsoft.com/office/drawing/2010/main" xmlns:a16="http://schemas.microsoft.com/office/drawing/2014/main" xmlns="" w="9525">
                   <a:solidFill>
                     <a:srgbClr val="000000"/>
                   </a:solidFill>
@@ -17822,6 +18531,13 @@
               </a:ext>
             </a:extLst>
           </p:spPr>
+          <p:txBody>
+            <a:bodyPr/>
+            <a:lstStyle/>
+            <a:p>
+              <a:endParaRPr lang="en-US"/>
+            </a:p>
+          </p:txBody>
         </p:sp>
         <p:sp>
           <p:nvSpPr>
@@ -17936,7 +18652,7 @@
             </a:ln>
             <a:extLst>
               <a:ext uri="{91240B29-F687-4f45-9708-019B960494DF}">
-                <a14:hiddenLine xmlns="" xmlns:a16="http://schemas.microsoft.com/office/drawing/2014/main" xmlns:a14="http://schemas.microsoft.com/office/drawing/2010/main" xmlns:p14="http://schemas.microsoft.com/office/powerpoint/2010/main" w="9525">
+                <a14:hiddenLine xmlns:p14="http://schemas.microsoft.com/office/powerpoint/2010/main" xmlns:a14="http://schemas.microsoft.com/office/drawing/2010/main" xmlns:a16="http://schemas.microsoft.com/office/drawing/2014/main" xmlns="" w="9525">
                   <a:solidFill>
                     <a:srgbClr val="000000"/>
                   </a:solidFill>
@@ -17947,6 +18663,13 @@
               </a:ext>
             </a:extLst>
           </p:spPr>
+          <p:txBody>
+            <a:bodyPr/>
+            <a:lstStyle/>
+            <a:p>
+              <a:endParaRPr lang="en-US"/>
+            </a:p>
+          </p:txBody>
         </p:sp>
         <p:sp>
           <p:nvSpPr>
@@ -18013,7 +18736,7 @@
             </a:ln>
             <a:extLst>
               <a:ext uri="{91240B29-F687-4f45-9708-019B960494DF}">
-                <a14:hiddenLine xmlns="" xmlns:a16="http://schemas.microsoft.com/office/drawing/2014/main" xmlns:a14="http://schemas.microsoft.com/office/drawing/2010/main" xmlns:p14="http://schemas.microsoft.com/office/powerpoint/2010/main" w="9525">
+                <a14:hiddenLine xmlns:p14="http://schemas.microsoft.com/office/powerpoint/2010/main" xmlns:a14="http://schemas.microsoft.com/office/drawing/2010/main" xmlns:a16="http://schemas.microsoft.com/office/drawing/2014/main" xmlns="" w="9525">
                   <a:solidFill>
                     <a:srgbClr val="000000"/>
                   </a:solidFill>
@@ -18024,6 +18747,13 @@
               </a:ext>
             </a:extLst>
           </p:spPr>
+          <p:txBody>
+            <a:bodyPr/>
+            <a:lstStyle/>
+            <a:p>
+              <a:endParaRPr lang="en-US"/>
+            </a:p>
+          </p:txBody>
         </p:sp>
         <p:sp>
           <p:nvSpPr>
@@ -18118,7 +18848,7 @@
             </a:ln>
             <a:extLst>
               <a:ext uri="{91240B29-F687-4f45-9708-019B960494DF}">
-                <a14:hiddenLine xmlns="" xmlns:a16="http://schemas.microsoft.com/office/drawing/2014/main" xmlns:a14="http://schemas.microsoft.com/office/drawing/2010/main" xmlns:p14="http://schemas.microsoft.com/office/powerpoint/2010/main" w="9525">
+                <a14:hiddenLine xmlns:p14="http://schemas.microsoft.com/office/powerpoint/2010/main" xmlns:a14="http://schemas.microsoft.com/office/drawing/2010/main" xmlns:a16="http://schemas.microsoft.com/office/drawing/2014/main" xmlns="" w="9525">
                   <a:solidFill>
                     <a:srgbClr val="000000"/>
                   </a:solidFill>
@@ -18129,6 +18859,13 @@
               </a:ext>
             </a:extLst>
           </p:spPr>
+          <p:txBody>
+            <a:bodyPr/>
+            <a:lstStyle/>
+            <a:p>
+              <a:endParaRPr lang="en-US"/>
+            </a:p>
+          </p:txBody>
         </p:sp>
         <p:sp>
           <p:nvSpPr>
@@ -18223,7 +18960,7 @@
             </a:ln>
             <a:extLst>
               <a:ext uri="{91240B29-F687-4f45-9708-019B960494DF}">
-                <a14:hiddenLine xmlns="" xmlns:a16="http://schemas.microsoft.com/office/drawing/2014/main" xmlns:a14="http://schemas.microsoft.com/office/drawing/2010/main" xmlns:p14="http://schemas.microsoft.com/office/powerpoint/2010/main" w="9525">
+                <a14:hiddenLine xmlns:p14="http://schemas.microsoft.com/office/powerpoint/2010/main" xmlns:a14="http://schemas.microsoft.com/office/drawing/2010/main" xmlns:a16="http://schemas.microsoft.com/office/drawing/2014/main" xmlns="" w="9525">
                   <a:solidFill>
                     <a:srgbClr val="000000"/>
                   </a:solidFill>
@@ -18234,6 +18971,13 @@
               </a:ext>
             </a:extLst>
           </p:spPr>
+          <p:txBody>
+            <a:bodyPr/>
+            <a:lstStyle/>
+            <a:p>
+              <a:endParaRPr lang="en-US"/>
+            </a:p>
+          </p:txBody>
         </p:sp>
         <p:sp>
           <p:nvSpPr>
@@ -18300,7 +19044,7 @@
             </a:ln>
             <a:extLst>
               <a:ext uri="{91240B29-F687-4f45-9708-019B960494DF}">
-                <a14:hiddenLine xmlns="" xmlns:a16="http://schemas.microsoft.com/office/drawing/2014/main" xmlns:a14="http://schemas.microsoft.com/office/drawing/2010/main" xmlns:p14="http://schemas.microsoft.com/office/powerpoint/2010/main" w="9525">
+                <a14:hiddenLine xmlns:p14="http://schemas.microsoft.com/office/powerpoint/2010/main" xmlns:a14="http://schemas.microsoft.com/office/drawing/2010/main" xmlns:a16="http://schemas.microsoft.com/office/drawing/2014/main" xmlns="" w="9525">
                   <a:solidFill>
                     <a:srgbClr val="000000"/>
                   </a:solidFill>
@@ -18311,6 +19055,13 @@
               </a:ext>
             </a:extLst>
           </p:spPr>
+          <p:txBody>
+            <a:bodyPr/>
+            <a:lstStyle/>
+            <a:p>
+              <a:endParaRPr lang="en-US"/>
+            </a:p>
+          </p:txBody>
         </p:sp>
         <p:sp>
           <p:nvSpPr>
@@ -18405,7 +19156,7 @@
             </a:ln>
             <a:extLst>
               <a:ext uri="{91240B29-F687-4f45-9708-019B960494DF}">
-                <a14:hiddenLine xmlns="" xmlns:a16="http://schemas.microsoft.com/office/drawing/2014/main" xmlns:a14="http://schemas.microsoft.com/office/drawing/2010/main" xmlns:p14="http://schemas.microsoft.com/office/powerpoint/2010/main" w="9525">
+                <a14:hiddenLine xmlns:p14="http://schemas.microsoft.com/office/powerpoint/2010/main" xmlns:a14="http://schemas.microsoft.com/office/drawing/2010/main" xmlns:a16="http://schemas.microsoft.com/office/drawing/2014/main" xmlns="" w="9525">
                   <a:solidFill>
                     <a:srgbClr val="000000"/>
                   </a:solidFill>
@@ -18416,6 +19167,13 @@
               </a:ext>
             </a:extLst>
           </p:spPr>
+          <p:txBody>
+            <a:bodyPr/>
+            <a:lstStyle/>
+            <a:p>
+              <a:endParaRPr lang="en-US"/>
+            </a:p>
+          </p:txBody>
         </p:sp>
         <p:sp>
           <p:nvSpPr>
@@ -18510,7 +19268,7 @@
             </a:ln>
             <a:extLst>
               <a:ext uri="{91240B29-F687-4f45-9708-019B960494DF}">
-                <a14:hiddenLine xmlns="" xmlns:a16="http://schemas.microsoft.com/office/drawing/2014/main" xmlns:a14="http://schemas.microsoft.com/office/drawing/2010/main" xmlns:p14="http://schemas.microsoft.com/office/powerpoint/2010/main" w="9525">
+                <a14:hiddenLine xmlns:p14="http://schemas.microsoft.com/office/powerpoint/2010/main" xmlns:a14="http://schemas.microsoft.com/office/drawing/2010/main" xmlns:a16="http://schemas.microsoft.com/office/drawing/2014/main" xmlns="" w="9525">
                   <a:solidFill>
                     <a:srgbClr val="000000"/>
                   </a:solidFill>
@@ -18521,6 +19279,13 @@
               </a:ext>
             </a:extLst>
           </p:spPr>
+          <p:txBody>
+            <a:bodyPr/>
+            <a:lstStyle/>
+            <a:p>
+              <a:endParaRPr lang="en-US"/>
+            </a:p>
+          </p:txBody>
         </p:sp>
         <p:sp>
           <p:nvSpPr>
@@ -18581,7 +19346,7 @@
             </a:ln>
             <a:extLst>
               <a:ext uri="{91240B29-F687-4f45-9708-019B960494DF}">
-                <a14:hiddenLine xmlns="" xmlns:a16="http://schemas.microsoft.com/office/drawing/2014/main" xmlns:a14="http://schemas.microsoft.com/office/drawing/2010/main" xmlns:p14="http://schemas.microsoft.com/office/powerpoint/2010/main" w="9525">
+                <a14:hiddenLine xmlns:p14="http://schemas.microsoft.com/office/powerpoint/2010/main" xmlns:a14="http://schemas.microsoft.com/office/drawing/2010/main" xmlns:a16="http://schemas.microsoft.com/office/drawing/2014/main" xmlns="" w="9525">
                   <a:solidFill>
                     <a:srgbClr val="000000"/>
                   </a:solidFill>
@@ -18592,6 +19357,13 @@
               </a:ext>
             </a:extLst>
           </p:spPr>
+          <p:txBody>
+            <a:bodyPr/>
+            <a:lstStyle/>
+            <a:p>
+              <a:endParaRPr lang="en-US"/>
+            </a:p>
+          </p:txBody>
         </p:sp>
         <p:sp>
           <p:nvSpPr>
@@ -18686,7 +19458,7 @@
             </a:ln>
             <a:extLst>
               <a:ext uri="{91240B29-F687-4f45-9708-019B960494DF}">
-                <a14:hiddenLine xmlns="" xmlns:a16="http://schemas.microsoft.com/office/drawing/2014/main" xmlns:a14="http://schemas.microsoft.com/office/drawing/2010/main" xmlns:p14="http://schemas.microsoft.com/office/powerpoint/2010/main" w="9525">
+                <a14:hiddenLine xmlns:p14="http://schemas.microsoft.com/office/powerpoint/2010/main" xmlns:a14="http://schemas.microsoft.com/office/drawing/2010/main" xmlns:a16="http://schemas.microsoft.com/office/drawing/2014/main" xmlns="" w="9525">
                   <a:solidFill>
                     <a:srgbClr val="000000"/>
                   </a:solidFill>
@@ -18697,6 +19469,13 @@
               </a:ext>
             </a:extLst>
           </p:spPr>
+          <p:txBody>
+            <a:bodyPr/>
+            <a:lstStyle/>
+            <a:p>
+              <a:endParaRPr lang="en-US"/>
+            </a:p>
+          </p:txBody>
         </p:sp>
         <p:sp>
           <p:nvSpPr>
@@ -18757,7 +19536,7 @@
             </a:ln>
             <a:extLst>
               <a:ext uri="{91240B29-F687-4f45-9708-019B960494DF}">
-                <a14:hiddenLine xmlns="" xmlns:a16="http://schemas.microsoft.com/office/drawing/2014/main" xmlns:a14="http://schemas.microsoft.com/office/drawing/2010/main" xmlns:p14="http://schemas.microsoft.com/office/powerpoint/2010/main" w="9525">
+                <a14:hiddenLine xmlns:p14="http://schemas.microsoft.com/office/powerpoint/2010/main" xmlns:a14="http://schemas.microsoft.com/office/drawing/2010/main" xmlns:a16="http://schemas.microsoft.com/office/drawing/2014/main" xmlns="" w="9525">
                   <a:solidFill>
                     <a:srgbClr val="000000"/>
                   </a:solidFill>
@@ -18768,6 +19547,13 @@
               </a:ext>
             </a:extLst>
           </p:spPr>
+          <p:txBody>
+            <a:bodyPr/>
+            <a:lstStyle/>
+            <a:p>
+              <a:endParaRPr lang="en-US"/>
+            </a:p>
+          </p:txBody>
         </p:sp>
         <p:sp>
           <p:nvSpPr>
@@ -18862,7 +19648,7 @@
             </a:ln>
             <a:extLst>
               <a:ext uri="{91240B29-F687-4f45-9708-019B960494DF}">
-                <a14:hiddenLine xmlns="" xmlns:a16="http://schemas.microsoft.com/office/drawing/2014/main" xmlns:a14="http://schemas.microsoft.com/office/drawing/2010/main" xmlns:p14="http://schemas.microsoft.com/office/powerpoint/2010/main" w="9525">
+                <a14:hiddenLine xmlns:p14="http://schemas.microsoft.com/office/powerpoint/2010/main" xmlns:a14="http://schemas.microsoft.com/office/drawing/2010/main" xmlns:a16="http://schemas.microsoft.com/office/drawing/2014/main" xmlns="" w="9525">
                   <a:solidFill>
                     <a:srgbClr val="000000"/>
                   </a:solidFill>
@@ -18873,6 +19659,13 @@
               </a:ext>
             </a:extLst>
           </p:spPr>
+          <p:txBody>
+            <a:bodyPr/>
+            <a:lstStyle/>
+            <a:p>
+              <a:endParaRPr lang="en-US"/>
+            </a:p>
+          </p:txBody>
         </p:sp>
         <p:sp>
           <p:nvSpPr>
@@ -18945,7 +19738,7 @@
             </a:ln>
             <a:extLst>
               <a:ext uri="{91240B29-F687-4f45-9708-019B960494DF}">
-                <a14:hiddenLine xmlns="" xmlns:a16="http://schemas.microsoft.com/office/drawing/2014/main" xmlns:a14="http://schemas.microsoft.com/office/drawing/2010/main" xmlns:p14="http://schemas.microsoft.com/office/powerpoint/2010/main" w="9525">
+                <a14:hiddenLine xmlns:p14="http://schemas.microsoft.com/office/powerpoint/2010/main" xmlns:a14="http://schemas.microsoft.com/office/drawing/2010/main" xmlns:a16="http://schemas.microsoft.com/office/drawing/2014/main" xmlns="" w="9525">
                   <a:solidFill>
                     <a:srgbClr val="000000"/>
                   </a:solidFill>
@@ -18956,6 +19749,13 @@
               </a:ext>
             </a:extLst>
           </p:spPr>
+          <p:txBody>
+            <a:bodyPr/>
+            <a:lstStyle/>
+            <a:p>
+              <a:endParaRPr lang="en-US"/>
+            </a:p>
+          </p:txBody>
         </p:sp>
         <p:sp>
           <p:nvSpPr>
@@ -19050,7 +19850,7 @@
             </a:ln>
             <a:extLst>
               <a:ext uri="{91240B29-F687-4f45-9708-019B960494DF}">
-                <a14:hiddenLine xmlns="" xmlns:a16="http://schemas.microsoft.com/office/drawing/2014/main" xmlns:a14="http://schemas.microsoft.com/office/drawing/2010/main" xmlns:p14="http://schemas.microsoft.com/office/powerpoint/2010/main" w="9525">
+                <a14:hiddenLine xmlns:p14="http://schemas.microsoft.com/office/powerpoint/2010/main" xmlns:a14="http://schemas.microsoft.com/office/drawing/2010/main" xmlns:a16="http://schemas.microsoft.com/office/drawing/2014/main" xmlns="" w="9525">
                   <a:solidFill>
                     <a:srgbClr val="000000"/>
                   </a:solidFill>
@@ -19061,6 +19861,13 @@
               </a:ext>
             </a:extLst>
           </p:spPr>
+          <p:txBody>
+            <a:bodyPr/>
+            <a:lstStyle/>
+            <a:p>
+              <a:endParaRPr lang="en-US"/>
+            </a:p>
+          </p:txBody>
         </p:sp>
         <p:sp>
           <p:nvSpPr>
@@ -19133,7 +19940,7 @@
             </a:ln>
             <a:extLst>
               <a:ext uri="{91240B29-F687-4f45-9708-019B960494DF}">
-                <a14:hiddenLine xmlns="" xmlns:a16="http://schemas.microsoft.com/office/drawing/2014/main" xmlns:a14="http://schemas.microsoft.com/office/drawing/2010/main" xmlns:p14="http://schemas.microsoft.com/office/powerpoint/2010/main" w="9525">
+                <a14:hiddenLine xmlns:p14="http://schemas.microsoft.com/office/powerpoint/2010/main" xmlns:a14="http://schemas.microsoft.com/office/drawing/2010/main" xmlns:a16="http://schemas.microsoft.com/office/drawing/2014/main" xmlns="" w="9525">
                   <a:solidFill>
                     <a:srgbClr val="000000"/>
                   </a:solidFill>
@@ -19144,6 +19951,13 @@
               </a:ext>
             </a:extLst>
           </p:spPr>
+          <p:txBody>
+            <a:bodyPr/>
+            <a:lstStyle/>
+            <a:p>
+              <a:endParaRPr lang="en-US"/>
+            </a:p>
+          </p:txBody>
         </p:sp>
         <p:sp>
           <p:nvSpPr>
@@ -19238,7 +20052,7 @@
             </a:ln>
             <a:extLst>
               <a:ext uri="{91240B29-F687-4f45-9708-019B960494DF}">
-                <a14:hiddenLine xmlns="" xmlns:a16="http://schemas.microsoft.com/office/drawing/2014/main" xmlns:a14="http://schemas.microsoft.com/office/drawing/2010/main" xmlns:p14="http://schemas.microsoft.com/office/powerpoint/2010/main" w="9525">
+                <a14:hiddenLine xmlns:p14="http://schemas.microsoft.com/office/powerpoint/2010/main" xmlns:a14="http://schemas.microsoft.com/office/drawing/2010/main" xmlns:a16="http://schemas.microsoft.com/office/drawing/2014/main" xmlns="" w="9525">
                   <a:solidFill>
                     <a:srgbClr val="000000"/>
                   </a:solidFill>
@@ -19249,6 +20063,13 @@
               </a:ext>
             </a:extLst>
           </p:spPr>
+          <p:txBody>
+            <a:bodyPr/>
+            <a:lstStyle/>
+            <a:p>
+              <a:endParaRPr lang="en-US"/>
+            </a:p>
+          </p:txBody>
         </p:sp>
         <p:sp>
           <p:nvSpPr>
@@ -19287,7 +20108,7 @@
             </a:ln>
             <a:extLst>
               <a:ext uri="{91240B29-F687-4f45-9708-019B960494DF}">
-                <a14:hiddenLine xmlns="" xmlns:a16="http://schemas.microsoft.com/office/drawing/2014/main" xmlns:a14="http://schemas.microsoft.com/office/drawing/2010/main" xmlns:p14="http://schemas.microsoft.com/office/powerpoint/2010/main" w="9525">
+                <a14:hiddenLine xmlns:p14="http://schemas.microsoft.com/office/powerpoint/2010/main" xmlns:a14="http://schemas.microsoft.com/office/drawing/2010/main" xmlns:a16="http://schemas.microsoft.com/office/drawing/2014/main" xmlns="" w="9525">
                   <a:solidFill>
                     <a:srgbClr val="000000"/>
                   </a:solidFill>
@@ -19298,6 +20119,13 @@
               </a:ext>
             </a:extLst>
           </p:spPr>
+          <p:txBody>
+            <a:bodyPr/>
+            <a:lstStyle/>
+            <a:p>
+              <a:endParaRPr lang="en-US"/>
+            </a:p>
+          </p:txBody>
         </p:sp>
         <p:sp>
           <p:nvSpPr>
@@ -19392,7 +20220,7 @@
             </a:ln>
             <a:extLst>
               <a:ext uri="{91240B29-F687-4f45-9708-019B960494DF}">
-                <a14:hiddenLine xmlns="" xmlns:a16="http://schemas.microsoft.com/office/drawing/2014/main" xmlns:a14="http://schemas.microsoft.com/office/drawing/2010/main" xmlns:p14="http://schemas.microsoft.com/office/powerpoint/2010/main" w="9525">
+                <a14:hiddenLine xmlns:p14="http://schemas.microsoft.com/office/powerpoint/2010/main" xmlns:a14="http://schemas.microsoft.com/office/drawing/2010/main" xmlns:a16="http://schemas.microsoft.com/office/drawing/2014/main" xmlns="" w="9525">
                   <a:solidFill>
                     <a:srgbClr val="000000"/>
                   </a:solidFill>
@@ -19403,6 +20231,13 @@
               </a:ext>
             </a:extLst>
           </p:spPr>
+          <p:txBody>
+            <a:bodyPr/>
+            <a:lstStyle/>
+            <a:p>
+              <a:endParaRPr lang="en-US"/>
+            </a:p>
+          </p:txBody>
         </p:sp>
         <p:sp>
           <p:nvSpPr>
@@ -19469,7 +20304,7 @@
             </a:ln>
             <a:extLst>
               <a:ext uri="{91240B29-F687-4f45-9708-019B960494DF}">
-                <a14:hiddenLine xmlns="" xmlns:a16="http://schemas.microsoft.com/office/drawing/2014/main" xmlns:a14="http://schemas.microsoft.com/office/drawing/2010/main" xmlns:p14="http://schemas.microsoft.com/office/powerpoint/2010/main" w="9525">
+                <a14:hiddenLine xmlns:p14="http://schemas.microsoft.com/office/powerpoint/2010/main" xmlns:a14="http://schemas.microsoft.com/office/drawing/2010/main" xmlns:a16="http://schemas.microsoft.com/office/drawing/2014/main" xmlns="" w="9525">
                   <a:solidFill>
                     <a:srgbClr val="000000"/>
                   </a:solidFill>
@@ -19480,6 +20315,13 @@
               </a:ext>
             </a:extLst>
           </p:spPr>
+          <p:txBody>
+            <a:bodyPr/>
+            <a:lstStyle/>
+            <a:p>
+              <a:endParaRPr lang="en-US"/>
+            </a:p>
+          </p:txBody>
         </p:sp>
         <p:sp>
           <p:nvSpPr>
@@ -19546,7 +20388,7 @@
             </a:ln>
             <a:extLst>
               <a:ext uri="{91240B29-F687-4f45-9708-019B960494DF}">
-                <a14:hiddenLine xmlns="" xmlns:a16="http://schemas.microsoft.com/office/drawing/2014/main" xmlns:a14="http://schemas.microsoft.com/office/drawing/2010/main" xmlns:p14="http://schemas.microsoft.com/office/powerpoint/2010/main" w="9525">
+                <a14:hiddenLine xmlns:p14="http://schemas.microsoft.com/office/powerpoint/2010/main" xmlns:a14="http://schemas.microsoft.com/office/drawing/2010/main" xmlns:a16="http://schemas.microsoft.com/office/drawing/2014/main" xmlns="" w="9525">
                   <a:solidFill>
                     <a:srgbClr val="000000"/>
                   </a:solidFill>
@@ -19557,6 +20399,13 @@
               </a:ext>
             </a:extLst>
           </p:spPr>
+          <p:txBody>
+            <a:bodyPr/>
+            <a:lstStyle/>
+            <a:p>
+              <a:endParaRPr lang="en-US"/>
+            </a:p>
+          </p:txBody>
         </p:sp>
         <p:sp>
           <p:nvSpPr>
@@ -19651,7 +20500,7 @@
             </a:ln>
             <a:extLst>
               <a:ext uri="{91240B29-F687-4f45-9708-019B960494DF}">
-                <a14:hiddenLine xmlns="" xmlns:a16="http://schemas.microsoft.com/office/drawing/2014/main" xmlns:a14="http://schemas.microsoft.com/office/drawing/2010/main" xmlns:p14="http://schemas.microsoft.com/office/powerpoint/2010/main" w="9525">
+                <a14:hiddenLine xmlns:p14="http://schemas.microsoft.com/office/powerpoint/2010/main" xmlns:a14="http://schemas.microsoft.com/office/drawing/2010/main" xmlns:a16="http://schemas.microsoft.com/office/drawing/2014/main" xmlns="" w="9525">
                   <a:solidFill>
                     <a:srgbClr val="000000"/>
                   </a:solidFill>
@@ -19662,6 +20511,13 @@
               </a:ext>
             </a:extLst>
           </p:spPr>
+          <p:txBody>
+            <a:bodyPr/>
+            <a:lstStyle/>
+            <a:p>
+              <a:endParaRPr lang="en-US"/>
+            </a:p>
+          </p:txBody>
         </p:sp>
         <p:sp>
           <p:nvSpPr>
@@ -19734,7 +20590,7 @@
             </a:ln>
             <a:extLst>
               <a:ext uri="{91240B29-F687-4f45-9708-019B960494DF}">
-                <a14:hiddenLine xmlns="" xmlns:a16="http://schemas.microsoft.com/office/drawing/2014/main" xmlns:a14="http://schemas.microsoft.com/office/drawing/2010/main" xmlns:p14="http://schemas.microsoft.com/office/powerpoint/2010/main" w="9525">
+                <a14:hiddenLine xmlns:p14="http://schemas.microsoft.com/office/powerpoint/2010/main" xmlns:a14="http://schemas.microsoft.com/office/drawing/2010/main" xmlns:a16="http://schemas.microsoft.com/office/drawing/2014/main" xmlns="" w="9525">
                   <a:solidFill>
                     <a:srgbClr val="000000"/>
                   </a:solidFill>
@@ -19745,6 +20601,13 @@
               </a:ext>
             </a:extLst>
           </p:spPr>
+          <p:txBody>
+            <a:bodyPr/>
+            <a:lstStyle/>
+            <a:p>
+              <a:endParaRPr lang="en-US"/>
+            </a:p>
+          </p:txBody>
         </p:sp>
         <p:sp>
           <p:nvSpPr>
@@ -19811,7 +20674,7 @@
             </a:ln>
             <a:extLst>
               <a:ext uri="{91240B29-F687-4f45-9708-019B960494DF}">
-                <a14:hiddenLine xmlns="" xmlns:a16="http://schemas.microsoft.com/office/drawing/2014/main" xmlns:a14="http://schemas.microsoft.com/office/drawing/2010/main" xmlns:p14="http://schemas.microsoft.com/office/powerpoint/2010/main" w="9525">
+                <a14:hiddenLine xmlns:p14="http://schemas.microsoft.com/office/powerpoint/2010/main" xmlns:a14="http://schemas.microsoft.com/office/drawing/2010/main" xmlns:a16="http://schemas.microsoft.com/office/drawing/2014/main" xmlns="" w="9525">
                   <a:solidFill>
                     <a:srgbClr val="000000"/>
                   </a:solidFill>
@@ -19822,6 +20685,13 @@
               </a:ext>
             </a:extLst>
           </p:spPr>
+          <p:txBody>
+            <a:bodyPr/>
+            <a:lstStyle/>
+            <a:p>
+              <a:endParaRPr lang="en-US"/>
+            </a:p>
+          </p:txBody>
         </p:sp>
         <p:sp>
           <p:nvSpPr>
@@ -19916,7 +20786,7 @@
             </a:ln>
             <a:extLst>
               <a:ext uri="{91240B29-F687-4f45-9708-019B960494DF}">
-                <a14:hiddenLine xmlns="" xmlns:a16="http://schemas.microsoft.com/office/drawing/2014/main" xmlns:a14="http://schemas.microsoft.com/office/drawing/2010/main" xmlns:p14="http://schemas.microsoft.com/office/powerpoint/2010/main" w="9525">
+                <a14:hiddenLine xmlns:p14="http://schemas.microsoft.com/office/powerpoint/2010/main" xmlns:a14="http://schemas.microsoft.com/office/drawing/2010/main" xmlns:a16="http://schemas.microsoft.com/office/drawing/2014/main" xmlns="" w="9525">
                   <a:solidFill>
                     <a:srgbClr val="000000"/>
                   </a:solidFill>
@@ -19927,6 +20797,13 @@
               </a:ext>
             </a:extLst>
           </p:spPr>
+          <p:txBody>
+            <a:bodyPr/>
+            <a:lstStyle/>
+            <a:p>
+              <a:endParaRPr lang="en-US"/>
+            </a:p>
+          </p:txBody>
         </p:sp>
         <p:sp>
           <p:nvSpPr>
@@ -19993,7 +20870,7 @@
             </a:ln>
             <a:extLst>
               <a:ext uri="{91240B29-F687-4f45-9708-019B960494DF}">
-                <a14:hiddenLine xmlns="" xmlns:a16="http://schemas.microsoft.com/office/drawing/2014/main" xmlns:a14="http://schemas.microsoft.com/office/drawing/2010/main" xmlns:p14="http://schemas.microsoft.com/office/powerpoint/2010/main" w="9525">
+                <a14:hiddenLine xmlns:p14="http://schemas.microsoft.com/office/powerpoint/2010/main" xmlns:a14="http://schemas.microsoft.com/office/drawing/2010/main" xmlns:a16="http://schemas.microsoft.com/office/drawing/2014/main" xmlns="" w="9525">
                   <a:solidFill>
                     <a:srgbClr val="000000"/>
                   </a:solidFill>
@@ -20004,6 +20881,13 @@
               </a:ext>
             </a:extLst>
           </p:spPr>
+          <p:txBody>
+            <a:bodyPr/>
+            <a:lstStyle/>
+            <a:p>
+              <a:endParaRPr lang="en-US"/>
+            </a:p>
+          </p:txBody>
         </p:sp>
         <p:sp>
           <p:nvSpPr>
@@ -20098,7 +20982,7 @@
             </a:ln>
             <a:extLst>
               <a:ext uri="{91240B29-F687-4f45-9708-019B960494DF}">
-                <a14:hiddenLine xmlns="" xmlns:a16="http://schemas.microsoft.com/office/drawing/2014/main" xmlns:a14="http://schemas.microsoft.com/office/drawing/2010/main" xmlns:p14="http://schemas.microsoft.com/office/powerpoint/2010/main" w="9525">
+                <a14:hiddenLine xmlns:p14="http://schemas.microsoft.com/office/powerpoint/2010/main" xmlns:a14="http://schemas.microsoft.com/office/drawing/2010/main" xmlns:a16="http://schemas.microsoft.com/office/drawing/2014/main" xmlns="" w="9525">
                   <a:solidFill>
                     <a:srgbClr val="000000"/>
                   </a:solidFill>
@@ -20109,6 +20993,13 @@
               </a:ext>
             </a:extLst>
           </p:spPr>
+          <p:txBody>
+            <a:bodyPr/>
+            <a:lstStyle/>
+            <a:p>
+              <a:endParaRPr lang="en-US"/>
+            </a:p>
+          </p:txBody>
         </p:sp>
         <p:sp>
           <p:nvSpPr>
@@ -20175,7 +21066,7 @@
             </a:ln>
             <a:extLst>
               <a:ext uri="{91240B29-F687-4f45-9708-019B960494DF}">
-                <a14:hiddenLine xmlns="" xmlns:a16="http://schemas.microsoft.com/office/drawing/2014/main" xmlns:a14="http://schemas.microsoft.com/office/drawing/2010/main" xmlns:p14="http://schemas.microsoft.com/office/powerpoint/2010/main" w="9525">
+                <a14:hiddenLine xmlns:p14="http://schemas.microsoft.com/office/powerpoint/2010/main" xmlns:a14="http://schemas.microsoft.com/office/drawing/2010/main" xmlns:a16="http://schemas.microsoft.com/office/drawing/2014/main" xmlns="" w="9525">
                   <a:solidFill>
                     <a:srgbClr val="000000"/>
                   </a:solidFill>
@@ -20186,6 +21077,13 @@
               </a:ext>
             </a:extLst>
           </p:spPr>
+          <p:txBody>
+            <a:bodyPr/>
+            <a:lstStyle/>
+            <a:p>
+              <a:endParaRPr lang="en-US"/>
+            </a:p>
+          </p:txBody>
         </p:sp>
         <p:sp>
           <p:nvSpPr>
@@ -20280,7 +21178,7 @@
             </a:ln>
             <a:extLst>
               <a:ext uri="{91240B29-F687-4f45-9708-019B960494DF}">
-                <a14:hiddenLine xmlns="" xmlns:a16="http://schemas.microsoft.com/office/drawing/2014/main" xmlns:a14="http://schemas.microsoft.com/office/drawing/2010/main" xmlns:p14="http://schemas.microsoft.com/office/powerpoint/2010/main" w="9525">
+                <a14:hiddenLine xmlns:p14="http://schemas.microsoft.com/office/powerpoint/2010/main" xmlns:a14="http://schemas.microsoft.com/office/drawing/2010/main" xmlns:a16="http://schemas.microsoft.com/office/drawing/2014/main" xmlns="" w="9525">
                   <a:solidFill>
                     <a:srgbClr val="000000"/>
                   </a:solidFill>
@@ -20291,6 +21189,13 @@
               </a:ext>
             </a:extLst>
           </p:spPr>
+          <p:txBody>
+            <a:bodyPr/>
+            <a:lstStyle/>
+            <a:p>
+              <a:endParaRPr lang="en-US"/>
+            </a:p>
+          </p:txBody>
         </p:sp>
         <p:sp>
           <p:nvSpPr>
@@ -20329,7 +21234,7 @@
             </a:ln>
             <a:extLst>
               <a:ext uri="{91240B29-F687-4f45-9708-019B960494DF}">
-                <a14:hiddenLine xmlns="" xmlns:a16="http://schemas.microsoft.com/office/drawing/2014/main" xmlns:a14="http://schemas.microsoft.com/office/drawing/2010/main" xmlns:p14="http://schemas.microsoft.com/office/powerpoint/2010/main" w="9525">
+                <a14:hiddenLine xmlns:p14="http://schemas.microsoft.com/office/powerpoint/2010/main" xmlns:a14="http://schemas.microsoft.com/office/drawing/2010/main" xmlns:a16="http://schemas.microsoft.com/office/drawing/2014/main" xmlns="" w="9525">
                   <a:solidFill>
                     <a:srgbClr val="000000"/>
                   </a:solidFill>
@@ -20340,6 +21245,13 @@
               </a:ext>
             </a:extLst>
           </p:spPr>
+          <p:txBody>
+            <a:bodyPr/>
+            <a:lstStyle/>
+            <a:p>
+              <a:endParaRPr lang="en-US"/>
+            </a:p>
+          </p:txBody>
         </p:sp>
         <p:sp>
           <p:nvSpPr>
@@ -20409,7 +21321,7 @@
             </a:ln>
             <a:extLst>
               <a:ext uri="{91240B29-F687-4f45-9708-019B960494DF}">
-                <a14:hiddenLine xmlns="" xmlns:a16="http://schemas.microsoft.com/office/drawing/2014/main" xmlns:a14="http://schemas.microsoft.com/office/drawing/2010/main" xmlns:p14="http://schemas.microsoft.com/office/powerpoint/2010/main" w="9525">
+                <a14:hiddenLine xmlns:p14="http://schemas.microsoft.com/office/powerpoint/2010/main" xmlns:a14="http://schemas.microsoft.com/office/drawing/2010/main" xmlns:a16="http://schemas.microsoft.com/office/drawing/2014/main" xmlns="" w="9525">
                   <a:solidFill>
                     <a:srgbClr val="000000"/>
                   </a:solidFill>
@@ -20420,6 +21332,13 @@
               </a:ext>
             </a:extLst>
           </p:spPr>
+          <p:txBody>
+            <a:bodyPr/>
+            <a:lstStyle/>
+            <a:p>
+              <a:endParaRPr lang="en-US"/>
+            </a:p>
+          </p:txBody>
         </p:sp>
         <p:sp>
           <p:nvSpPr>
@@ -20514,7 +21433,7 @@
             </a:ln>
             <a:extLst>
               <a:ext uri="{91240B29-F687-4f45-9708-019B960494DF}">
-                <a14:hiddenLine xmlns="" xmlns:a16="http://schemas.microsoft.com/office/drawing/2014/main" xmlns:a14="http://schemas.microsoft.com/office/drawing/2010/main" xmlns:p14="http://schemas.microsoft.com/office/powerpoint/2010/main" w="9525">
+                <a14:hiddenLine xmlns:p14="http://schemas.microsoft.com/office/powerpoint/2010/main" xmlns:a14="http://schemas.microsoft.com/office/drawing/2010/main" xmlns:a16="http://schemas.microsoft.com/office/drawing/2014/main" xmlns="" w="9525">
                   <a:solidFill>
                     <a:srgbClr val="000000"/>
                   </a:solidFill>
@@ -20525,6 +21444,13 @@
               </a:ext>
             </a:extLst>
           </p:spPr>
+          <p:txBody>
+            <a:bodyPr/>
+            <a:lstStyle/>
+            <a:p>
+              <a:endParaRPr lang="en-US"/>
+            </a:p>
+          </p:txBody>
         </p:sp>
         <p:sp>
           <p:nvSpPr>
@@ -20591,7 +21517,7 @@
             </a:ln>
             <a:extLst>
               <a:ext uri="{91240B29-F687-4f45-9708-019B960494DF}">
-                <a14:hiddenLine xmlns="" xmlns:a16="http://schemas.microsoft.com/office/drawing/2014/main" xmlns:a14="http://schemas.microsoft.com/office/drawing/2010/main" xmlns:p14="http://schemas.microsoft.com/office/powerpoint/2010/main" w="9525">
+                <a14:hiddenLine xmlns:p14="http://schemas.microsoft.com/office/powerpoint/2010/main" xmlns:a14="http://schemas.microsoft.com/office/drawing/2010/main" xmlns:a16="http://schemas.microsoft.com/office/drawing/2014/main" xmlns="" w="9525">
                   <a:solidFill>
                     <a:srgbClr val="000000"/>
                   </a:solidFill>
@@ -20602,6 +21528,13 @@
               </a:ext>
             </a:extLst>
           </p:spPr>
+          <p:txBody>
+            <a:bodyPr/>
+            <a:lstStyle/>
+            <a:p>
+              <a:endParaRPr lang="en-US"/>
+            </a:p>
+          </p:txBody>
         </p:sp>
         <p:sp>
           <p:nvSpPr>
@@ -20696,7 +21629,7 @@
             </a:ln>
             <a:extLst>
               <a:ext uri="{91240B29-F687-4f45-9708-019B960494DF}">
-                <a14:hiddenLine xmlns="" xmlns:a16="http://schemas.microsoft.com/office/drawing/2014/main" xmlns:a14="http://schemas.microsoft.com/office/drawing/2010/main" xmlns:p14="http://schemas.microsoft.com/office/powerpoint/2010/main" w="9525">
+                <a14:hiddenLine xmlns:p14="http://schemas.microsoft.com/office/powerpoint/2010/main" xmlns:a14="http://schemas.microsoft.com/office/drawing/2010/main" xmlns:a16="http://schemas.microsoft.com/office/drawing/2014/main" xmlns="" w="9525">
                   <a:solidFill>
                     <a:srgbClr val="000000"/>
                   </a:solidFill>
@@ -20707,6 +21640,13 @@
               </a:ext>
             </a:extLst>
           </p:spPr>
+          <p:txBody>
+            <a:bodyPr/>
+            <a:lstStyle/>
+            <a:p>
+              <a:endParaRPr lang="en-US"/>
+            </a:p>
+          </p:txBody>
         </p:sp>
         <p:sp>
           <p:nvSpPr>
@@ -20801,7 +21741,7 @@
             </a:ln>
             <a:extLst>
               <a:ext uri="{91240B29-F687-4f45-9708-019B960494DF}">
-                <a14:hiddenLine xmlns="" xmlns:a16="http://schemas.microsoft.com/office/drawing/2014/main" xmlns:a14="http://schemas.microsoft.com/office/drawing/2010/main" xmlns:p14="http://schemas.microsoft.com/office/powerpoint/2010/main" w="9525">
+                <a14:hiddenLine xmlns:p14="http://schemas.microsoft.com/office/powerpoint/2010/main" xmlns:a14="http://schemas.microsoft.com/office/drawing/2010/main" xmlns:a16="http://schemas.microsoft.com/office/drawing/2014/main" xmlns="" w="9525">
                   <a:solidFill>
                     <a:srgbClr val="000000"/>
                   </a:solidFill>
@@ -20812,6 +21752,13 @@
               </a:ext>
             </a:extLst>
           </p:spPr>
+          <p:txBody>
+            <a:bodyPr/>
+            <a:lstStyle/>
+            <a:p>
+              <a:endParaRPr lang="en-US"/>
+            </a:p>
+          </p:txBody>
         </p:sp>
         <p:sp>
           <p:nvSpPr>
@@ -20881,7 +21828,7 @@
             </a:ln>
             <a:extLst>
               <a:ext uri="{91240B29-F687-4f45-9708-019B960494DF}">
-                <a14:hiddenLine xmlns="" xmlns:a16="http://schemas.microsoft.com/office/drawing/2014/main" xmlns:a14="http://schemas.microsoft.com/office/drawing/2010/main" xmlns:p14="http://schemas.microsoft.com/office/powerpoint/2010/main" w="9525">
+                <a14:hiddenLine xmlns:p14="http://schemas.microsoft.com/office/powerpoint/2010/main" xmlns:a14="http://schemas.microsoft.com/office/drawing/2010/main" xmlns:a16="http://schemas.microsoft.com/office/drawing/2014/main" xmlns="" w="9525">
                   <a:solidFill>
                     <a:srgbClr val="000000"/>
                   </a:solidFill>
@@ -20892,6 +21839,13 @@
               </a:ext>
             </a:extLst>
           </p:spPr>
+          <p:txBody>
+            <a:bodyPr/>
+            <a:lstStyle/>
+            <a:p>
+              <a:endParaRPr lang="en-US"/>
+            </a:p>
+          </p:txBody>
         </p:sp>
         <p:sp>
           <p:nvSpPr>
@@ -20958,7 +21912,7 @@
             </a:ln>
             <a:extLst>
               <a:ext uri="{91240B29-F687-4f45-9708-019B960494DF}">
-                <a14:hiddenLine xmlns="" xmlns:a16="http://schemas.microsoft.com/office/drawing/2014/main" xmlns:a14="http://schemas.microsoft.com/office/drawing/2010/main" xmlns:p14="http://schemas.microsoft.com/office/powerpoint/2010/main" w="9525">
+                <a14:hiddenLine xmlns:p14="http://schemas.microsoft.com/office/powerpoint/2010/main" xmlns:a14="http://schemas.microsoft.com/office/drawing/2010/main" xmlns:a16="http://schemas.microsoft.com/office/drawing/2014/main" xmlns="" w="9525">
                   <a:solidFill>
                     <a:srgbClr val="000000"/>
                   </a:solidFill>
@@ -20969,6 +21923,13 @@
               </a:ext>
             </a:extLst>
           </p:spPr>
+          <p:txBody>
+            <a:bodyPr/>
+            <a:lstStyle/>
+            <a:p>
+              <a:endParaRPr lang="en-US"/>
+            </a:p>
+          </p:txBody>
         </p:sp>
         <p:sp>
           <p:nvSpPr>
@@ -21063,7 +22024,7 @@
             </a:ln>
             <a:extLst>
               <a:ext uri="{91240B29-F687-4f45-9708-019B960494DF}">
-                <a14:hiddenLine xmlns="" xmlns:a16="http://schemas.microsoft.com/office/drawing/2014/main" xmlns:a14="http://schemas.microsoft.com/office/drawing/2010/main" xmlns:p14="http://schemas.microsoft.com/office/powerpoint/2010/main" w="9525">
+                <a14:hiddenLine xmlns:p14="http://schemas.microsoft.com/office/powerpoint/2010/main" xmlns:a14="http://schemas.microsoft.com/office/drawing/2010/main" xmlns:a16="http://schemas.microsoft.com/office/drawing/2014/main" xmlns="" w="9525">
                   <a:solidFill>
                     <a:srgbClr val="000000"/>
                   </a:solidFill>
@@ -21074,6 +22035,13 @@
               </a:ext>
             </a:extLst>
           </p:spPr>
+          <p:txBody>
+            <a:bodyPr/>
+            <a:lstStyle/>
+            <a:p>
+              <a:endParaRPr lang="en-US"/>
+            </a:p>
+          </p:txBody>
         </p:sp>
         <p:sp>
           <p:nvSpPr>
@@ -21168,7 +22136,7 @@
             </a:ln>
             <a:extLst>
               <a:ext uri="{91240B29-F687-4f45-9708-019B960494DF}">
-                <a14:hiddenLine xmlns="" xmlns:a16="http://schemas.microsoft.com/office/drawing/2014/main" xmlns:a14="http://schemas.microsoft.com/office/drawing/2010/main" xmlns:p14="http://schemas.microsoft.com/office/powerpoint/2010/main" w="9525">
+                <a14:hiddenLine xmlns:p14="http://schemas.microsoft.com/office/powerpoint/2010/main" xmlns:a14="http://schemas.microsoft.com/office/drawing/2010/main" xmlns:a16="http://schemas.microsoft.com/office/drawing/2014/main" xmlns="" w="9525">
                   <a:solidFill>
                     <a:srgbClr val="000000"/>
                   </a:solidFill>
@@ -21179,6 +22147,13 @@
               </a:ext>
             </a:extLst>
           </p:spPr>
+          <p:txBody>
+            <a:bodyPr/>
+            <a:lstStyle/>
+            <a:p>
+              <a:endParaRPr lang="en-US"/>
+            </a:p>
+          </p:txBody>
         </p:sp>
         <p:sp>
           <p:nvSpPr>
@@ -21245,7 +22220,7 @@
             </a:ln>
             <a:extLst>
               <a:ext uri="{91240B29-F687-4f45-9708-019B960494DF}">
-                <a14:hiddenLine xmlns="" xmlns:a16="http://schemas.microsoft.com/office/drawing/2014/main" xmlns:a14="http://schemas.microsoft.com/office/drawing/2010/main" xmlns:p14="http://schemas.microsoft.com/office/powerpoint/2010/main" w="9525">
+                <a14:hiddenLine xmlns:p14="http://schemas.microsoft.com/office/powerpoint/2010/main" xmlns:a14="http://schemas.microsoft.com/office/drawing/2010/main" xmlns:a16="http://schemas.microsoft.com/office/drawing/2014/main" xmlns="" w="9525">
                   <a:solidFill>
                     <a:srgbClr val="000000"/>
                   </a:solidFill>
@@ -21256,6 +22231,13 @@
               </a:ext>
             </a:extLst>
           </p:spPr>
+          <p:txBody>
+            <a:bodyPr/>
+            <a:lstStyle/>
+            <a:p>
+              <a:endParaRPr lang="en-US"/>
+            </a:p>
+          </p:txBody>
         </p:sp>
         <p:sp>
           <p:nvSpPr>
@@ -21380,7 +22362,7 @@
             </a:ln>
             <a:extLst>
               <a:ext uri="{91240B29-F687-4f45-9708-019B960494DF}">
-                <a14:hiddenLine xmlns="" xmlns:a16="http://schemas.microsoft.com/office/drawing/2014/main" xmlns:a14="http://schemas.microsoft.com/office/drawing/2010/main" xmlns:p14="http://schemas.microsoft.com/office/powerpoint/2010/main" w="9525">
+                <a14:hiddenLine xmlns:p14="http://schemas.microsoft.com/office/powerpoint/2010/main" xmlns:a14="http://schemas.microsoft.com/office/drawing/2010/main" xmlns:a16="http://schemas.microsoft.com/office/drawing/2014/main" xmlns="" w="9525">
                   <a:solidFill>
                     <a:srgbClr val="000000"/>
                   </a:solidFill>
@@ -21391,6 +22373,13 @@
               </a:ext>
             </a:extLst>
           </p:spPr>
+          <p:txBody>
+            <a:bodyPr/>
+            <a:lstStyle/>
+            <a:p>
+              <a:endParaRPr lang="en-US"/>
+            </a:p>
+          </p:txBody>
         </p:sp>
         <p:sp>
           <p:nvSpPr>
@@ -21463,7 +22452,7 @@
             </a:ln>
             <a:extLst>
               <a:ext uri="{91240B29-F687-4f45-9708-019B960494DF}">
-                <a14:hiddenLine xmlns="" xmlns:a16="http://schemas.microsoft.com/office/drawing/2014/main" xmlns:a14="http://schemas.microsoft.com/office/drawing/2010/main" xmlns:p14="http://schemas.microsoft.com/office/powerpoint/2010/main" w="9525">
+                <a14:hiddenLine xmlns:p14="http://schemas.microsoft.com/office/powerpoint/2010/main" xmlns:a14="http://schemas.microsoft.com/office/drawing/2010/main" xmlns:a16="http://schemas.microsoft.com/office/drawing/2014/main" xmlns="" w="9525">
                   <a:solidFill>
                     <a:srgbClr val="000000"/>
                   </a:solidFill>
@@ -21474,6 +22463,13 @@
               </a:ext>
             </a:extLst>
           </p:spPr>
+          <p:txBody>
+            <a:bodyPr/>
+            <a:lstStyle/>
+            <a:p>
+              <a:endParaRPr lang="en-US"/>
+            </a:p>
+          </p:txBody>
         </p:sp>
         <p:sp>
           <p:nvSpPr>
@@ -21568,7 +22564,7 @@
             </a:ln>
             <a:extLst>
               <a:ext uri="{91240B29-F687-4f45-9708-019B960494DF}">
-                <a14:hiddenLine xmlns="" xmlns:a16="http://schemas.microsoft.com/office/drawing/2014/main" xmlns:a14="http://schemas.microsoft.com/office/drawing/2010/main" xmlns:p14="http://schemas.microsoft.com/office/powerpoint/2010/main" w="9525">
+                <a14:hiddenLine xmlns:p14="http://schemas.microsoft.com/office/powerpoint/2010/main" xmlns:a14="http://schemas.microsoft.com/office/drawing/2010/main" xmlns:a16="http://schemas.microsoft.com/office/drawing/2014/main" xmlns="" w="9525">
                   <a:solidFill>
                     <a:srgbClr val="000000"/>
                   </a:solidFill>
@@ -21579,6 +22575,13 @@
               </a:ext>
             </a:extLst>
           </p:spPr>
+          <p:txBody>
+            <a:bodyPr/>
+            <a:lstStyle/>
+            <a:p>
+              <a:endParaRPr lang="en-US"/>
+            </a:p>
+          </p:txBody>
         </p:sp>
       </p:grpSp>
       <p:sp>
@@ -22160,6 +23163,205 @@
 </p:sld>
 </file>
 
+<file path=ppt/slides/slide8.xml><?xml version="1.0" encoding="utf-8"?>
+<p:sld xmlns:a="http://schemas.openxmlformats.org/drawingml/2006/main" xmlns:r="http://schemas.openxmlformats.org/officeDocument/2006/relationships" xmlns:p="http://schemas.openxmlformats.org/presentationml/2006/main">
+  <p:cSld>
+    <p:spTree>
+      <p:nvGrpSpPr>
+        <p:cNvPr id="1" name=""/>
+        <p:cNvGrpSpPr/>
+        <p:nvPr/>
+      </p:nvGrpSpPr>
+      <p:grpSpPr>
+        <a:xfrm>
+          <a:off x="0" y="0"/>
+          <a:ext cx="0" cy="0"/>
+          <a:chOff x="0" y="0"/>
+          <a:chExt cx="0" cy="0"/>
+        </a:xfrm>
+      </p:grpSpPr>
+      <p:sp>
+        <p:nvSpPr>
+          <p:cNvPr id="2" name="Title 1">
+            <a:extLst>
+              <a:ext uri="{FF2B5EF4-FFF2-40B4-BE49-F238E27FC236}">
+                <a16:creationId xmlns:a16="http://schemas.microsoft.com/office/drawing/2014/main" id="{6BDE80C5-8EEA-9717-9711-03805C647E3F}"/>
+              </a:ext>
+            </a:extLst>
+          </p:cNvPr>
+          <p:cNvSpPr>
+            <a:spLocks noGrp="1"/>
+          </p:cNvSpPr>
+          <p:nvPr>
+            <p:ph type="title"/>
+          </p:nvPr>
+        </p:nvSpPr>
+        <p:spPr>
+          <a:xfrm>
+            <a:off x="1143001" y="1561381"/>
+            <a:ext cx="9905998" cy="3795623"/>
+          </a:xfrm>
+        </p:spPr>
+        <p:txBody>
+          <a:bodyPr>
+            <a:normAutofit/>
+          </a:bodyPr>
+          <a:lstStyle/>
+          <a:p>
+            <a:r>
+              <a:rPr lang="en-US" sz="5400" b="0" i="0" dirty="0">
+                <a:effectLst/>
+                <a:latin typeface="Slack-Lato"/>
+              </a:rPr>
+              <a:t>Q2. What is the relationship between physical activity and improved mental health outcomes in tech workers?</a:t>
+            </a:r>
+            <a:endParaRPr lang="en-US" sz="5400" dirty="0"/>
+          </a:p>
+        </p:txBody>
+      </p:sp>
+    </p:spTree>
+    <p:extLst>
+      <p:ext uri="{BB962C8B-B14F-4D97-AF65-F5344CB8AC3E}">
+        <p14:creationId xmlns:p14="http://schemas.microsoft.com/office/powerpoint/2010/main" val="84161357"/>
+      </p:ext>
+    </p:extLst>
+  </p:cSld>
+  <p:clrMapOvr>
+    <a:masterClrMapping/>
+  </p:clrMapOvr>
+</p:sld>
+</file>
+
+<file path=ppt/slides/slide9.xml><?xml version="1.0" encoding="utf-8"?>
+<p:sld xmlns:a="http://schemas.openxmlformats.org/drawingml/2006/main" xmlns:r="http://schemas.openxmlformats.org/officeDocument/2006/relationships" xmlns:p="http://schemas.openxmlformats.org/presentationml/2006/main">
+  <p:cSld>
+    <p:spTree>
+      <p:nvGrpSpPr>
+        <p:cNvPr id="1" name=""/>
+        <p:cNvGrpSpPr/>
+        <p:nvPr/>
+      </p:nvGrpSpPr>
+      <p:grpSpPr>
+        <a:xfrm>
+          <a:off x="0" y="0"/>
+          <a:ext cx="0" cy="0"/>
+          <a:chOff x="0" y="0"/>
+          <a:chExt cx="0" cy="0"/>
+        </a:xfrm>
+      </p:grpSpPr>
+      <p:sp>
+        <p:nvSpPr>
+          <p:cNvPr id="3" name="TextBox 2">
+            <a:extLst>
+              <a:ext uri="{FF2B5EF4-FFF2-40B4-BE49-F238E27FC236}">
+                <a16:creationId xmlns:a16="http://schemas.microsoft.com/office/drawing/2014/main" id="{5D35A7C8-C612-E5A6-F238-9D819E9D380E}"/>
+              </a:ext>
+            </a:extLst>
+          </p:cNvPr>
+          <p:cNvSpPr txBox="1"/>
+          <p:nvPr/>
+        </p:nvSpPr>
+        <p:spPr>
+          <a:xfrm>
+            <a:off x="1173193" y="576539"/>
+            <a:ext cx="4157932" cy="830997"/>
+          </a:xfrm>
+          <a:prstGeom prst="rect">
+            <a:avLst/>
+          </a:prstGeom>
+          <a:noFill/>
+        </p:spPr>
+        <p:txBody>
+          <a:bodyPr wrap="square" rtlCol="0">
+            <a:spAutoFit/>
+          </a:bodyPr>
+          <a:lstStyle/>
+          <a:p>
+            <a:r>
+              <a:rPr lang="en-US" sz="4800" dirty="0"/>
+              <a:t>DATA SOURCE :</a:t>
+            </a:r>
+          </a:p>
+        </p:txBody>
+      </p:sp>
+      <p:sp>
+        <p:nvSpPr>
+          <p:cNvPr id="4" name="TextBox 3">
+            <a:extLst>
+              <a:ext uri="{FF2B5EF4-FFF2-40B4-BE49-F238E27FC236}">
+                <a16:creationId xmlns:a16="http://schemas.microsoft.com/office/drawing/2014/main" id="{7C6F0A66-2A30-A6C7-04A4-410287C06B44}"/>
+              </a:ext>
+            </a:extLst>
+          </p:cNvPr>
+          <p:cNvSpPr txBox="1"/>
+          <p:nvPr/>
+        </p:nvSpPr>
+        <p:spPr>
+          <a:xfrm>
+            <a:off x="1173193" y="2260121"/>
+            <a:ext cx="9765101" cy="4431983"/>
+          </a:xfrm>
+          <a:prstGeom prst="rect">
+            <a:avLst/>
+          </a:prstGeom>
+          <a:noFill/>
+        </p:spPr>
+        <p:txBody>
+          <a:bodyPr wrap="square" rtlCol="0">
+            <a:spAutoFit/>
+          </a:bodyPr>
+          <a:lstStyle/>
+          <a:p>
+            <a:r>
+              <a:rPr lang="en-US" sz="2400" dirty="0"/>
+              <a:t>I found the 'Sleep Health and Lifestyle Dataset' on Kaggle to be incredibly insightful. It contains valuable information on various factors such as sleep patterns, lifestyle choices, and demographics. These metrics provide a comprehensive view that is helpful for analyzing sleep health trends and their correlations with lifestyle habits</a:t>
+            </a:r>
+          </a:p>
+          <a:p>
+            <a:endParaRPr lang="en-US" sz="2400" dirty="0"/>
+          </a:p>
+          <a:p>
+            <a:endParaRPr lang="en-US" sz="2400" dirty="0">
+              <a:hlinkClick r:id="rId2"/>
+            </a:endParaRPr>
+          </a:p>
+          <a:p>
+            <a:endParaRPr lang="en-US" sz="2400" dirty="0">
+              <a:hlinkClick r:id="rId2"/>
+            </a:endParaRPr>
+          </a:p>
+          <a:p>
+            <a:endParaRPr lang="en-US" sz="2400" dirty="0">
+              <a:hlinkClick r:id="rId2"/>
+            </a:endParaRPr>
+          </a:p>
+          <a:p>
+            <a:r>
+              <a:rPr lang="en-US" sz="2400" dirty="0">
+                <a:hlinkClick r:id="rId2"/>
+              </a:rPr>
+              <a:t>https://www.kaggle.com/datasets/uom190346a/sleep-health-and-lifestyle-dataset</a:t>
+            </a:r>
+            <a:endParaRPr lang="en-US" sz="2400" dirty="0"/>
+          </a:p>
+          <a:p>
+            <a:endParaRPr lang="en-US" dirty="0"/>
+          </a:p>
+        </p:txBody>
+      </p:sp>
+    </p:spTree>
+    <p:extLst>
+      <p:ext uri="{BB962C8B-B14F-4D97-AF65-F5344CB8AC3E}">
+        <p14:creationId xmlns:p14="http://schemas.microsoft.com/office/powerpoint/2010/main" val="1679035973"/>
+      </p:ext>
+    </p:extLst>
+  </p:cSld>
+  <p:clrMapOvr>
+    <a:masterClrMapping/>
+  </p:clrMapOvr>
+</p:sld>
+</file>
+
 <file path=ppt/theme/theme1.xml><?xml version="1.0" encoding="utf-8"?>
 <a:theme xmlns:a="http://schemas.openxmlformats.org/drawingml/2006/main" name="Circuit">
   <a:themeElements>
